--- a/2023/2023-03/2023-03-19/problem.pptx
+++ b/2023/2023-03/2023-03-19/problem.pptx
@@ -5,13 +5,7 @@
     <p:sldMasterId id="2147483732" r:id="rId1"/>
   </p:sldMasterIdLst>
   <p:sldIdLst>
-    <p:sldId id="256" r:id="rId2"/>
-    <p:sldId id="258" r:id="rId3"/>
-    <p:sldId id="259" r:id="rId4"/>
-    <p:sldId id="260" r:id="rId5"/>
-    <p:sldId id="261" r:id="rId6"/>
-    <p:sldId id="262" r:id="rId7"/>
-    <p:sldId id="264" r:id="rId8"/>
+    <p:sldId id="265" r:id="rId2"/>
   </p:sldIdLst>
   <p:sldSz cx="12192000" cy="6858000"/>
   <p:notesSz cx="6858000" cy="9144000"/>
@@ -449,7 +443,7 @@
           <a:p>
             <a:fld id="{13CAB402-B863-4AA4-B7CA-C5BADD25EDE0}" type="datetimeFigureOut">
               <a:rPr lang="en-US" smtClean="0"/>
-              <a:t>3/20/2023</a:t>
+              <a:t>3/30/2023</a:t>
             </a:fld>
             <a:endParaRPr lang="en-US"/>
           </a:p>
@@ -773,7 +767,7 @@
           <a:p>
             <a:fld id="{13CAB402-B863-4AA4-B7CA-C5BADD25EDE0}" type="datetimeFigureOut">
               <a:rPr lang="en-US" smtClean="0"/>
-              <a:t>3/20/2023</a:t>
+              <a:t>3/30/2023</a:t>
             </a:fld>
             <a:endParaRPr lang="en-US"/>
           </a:p>
@@ -1021,7 +1015,7 @@
           <a:p>
             <a:fld id="{13CAB402-B863-4AA4-B7CA-C5BADD25EDE0}" type="datetimeFigureOut">
               <a:rPr lang="en-US" smtClean="0"/>
-              <a:t>3/20/2023</a:t>
+              <a:t>3/30/2023</a:t>
             </a:fld>
             <a:endParaRPr lang="en-US"/>
           </a:p>
@@ -1360,7 +1354,7 @@
           <a:p>
             <a:fld id="{13CAB402-B863-4AA4-B7CA-C5BADD25EDE0}" type="datetimeFigureOut">
               <a:rPr lang="en-US" smtClean="0"/>
-              <a:t>3/20/2023</a:t>
+              <a:t>3/30/2023</a:t>
             </a:fld>
             <a:endParaRPr lang="en-US"/>
           </a:p>
@@ -1707,7 +1701,7 @@
           <a:p>
             <a:fld id="{13CAB402-B863-4AA4-B7CA-C5BADD25EDE0}" type="datetimeFigureOut">
               <a:rPr lang="en-US" smtClean="0"/>
-              <a:t>3/20/2023</a:t>
+              <a:t>3/30/2023</a:t>
             </a:fld>
             <a:endParaRPr lang="en-US"/>
           </a:p>
@@ -2081,7 +2075,7 @@
           <a:p>
             <a:fld id="{13CAB402-B863-4AA4-B7CA-C5BADD25EDE0}" type="datetimeFigureOut">
               <a:rPr lang="en-US" smtClean="0"/>
-              <a:t>3/20/2023</a:t>
+              <a:t>3/30/2023</a:t>
             </a:fld>
             <a:endParaRPr lang="en-US"/>
           </a:p>
@@ -2551,7 +2545,7 @@
           <a:p>
             <a:fld id="{13CAB402-B863-4AA4-B7CA-C5BADD25EDE0}" type="datetimeFigureOut">
               <a:rPr lang="en-US" smtClean="0"/>
-              <a:t>3/20/2023</a:t>
+              <a:t>3/30/2023</a:t>
             </a:fld>
             <a:endParaRPr lang="en-US"/>
           </a:p>
@@ -2756,7 +2750,7 @@
           <a:p>
             <a:fld id="{13CAB402-B863-4AA4-B7CA-C5BADD25EDE0}" type="datetimeFigureOut">
               <a:rPr lang="en-US" smtClean="0"/>
-              <a:t>3/20/2023</a:t>
+              <a:t>3/30/2023</a:t>
             </a:fld>
             <a:endParaRPr lang="en-US"/>
           </a:p>
@@ -2967,7 +2961,7 @@
           <a:p>
             <a:fld id="{13CAB402-B863-4AA4-B7CA-C5BADD25EDE0}" type="datetimeFigureOut">
               <a:rPr lang="en-US" smtClean="0"/>
-              <a:t>3/20/2023</a:t>
+              <a:t>3/30/2023</a:t>
             </a:fld>
             <a:endParaRPr lang="en-US"/>
           </a:p>
@@ -3199,7 +3193,7 @@
           <a:p>
             <a:fld id="{13CAB402-B863-4AA4-B7CA-C5BADD25EDE0}" type="datetimeFigureOut">
               <a:rPr lang="en-US" smtClean="0"/>
-              <a:t>3/20/2023</a:t>
+              <a:t>3/30/2023</a:t>
             </a:fld>
             <a:endParaRPr lang="en-US"/>
           </a:p>
@@ -3447,7 +3441,7 @@
           <a:p>
             <a:fld id="{13CAB402-B863-4AA4-B7CA-C5BADD25EDE0}" type="datetimeFigureOut">
               <a:rPr lang="en-US" smtClean="0"/>
-              <a:t>3/20/2023</a:t>
+              <a:t>3/30/2023</a:t>
             </a:fld>
             <a:endParaRPr lang="en-US"/>
           </a:p>
@@ -3745,7 +3739,7 @@
           <a:p>
             <a:fld id="{13CAB402-B863-4AA4-B7CA-C5BADD25EDE0}" type="datetimeFigureOut">
               <a:rPr lang="en-US" smtClean="0"/>
-              <a:t>3/20/2023</a:t>
+              <a:t>3/30/2023</a:t>
             </a:fld>
             <a:endParaRPr lang="en-US"/>
           </a:p>
@@ -4139,7 +4133,7 @@
           <a:p>
             <a:fld id="{13CAB402-B863-4AA4-B7CA-C5BADD25EDE0}" type="datetimeFigureOut">
               <a:rPr lang="en-US" smtClean="0"/>
-              <a:t>3/20/2023</a:t>
+              <a:t>3/30/2023</a:t>
             </a:fld>
             <a:endParaRPr lang="en-US"/>
           </a:p>
@@ -4288,7 +4282,7 @@
           <a:p>
             <a:fld id="{13CAB402-B863-4AA4-B7CA-C5BADD25EDE0}" type="datetimeFigureOut">
               <a:rPr lang="en-US" smtClean="0"/>
-              <a:t>3/20/2023</a:t>
+              <a:t>3/30/2023</a:t>
             </a:fld>
             <a:endParaRPr lang="en-US"/>
           </a:p>
@@ -4414,7 +4408,7 @@
           <a:p>
             <a:fld id="{13CAB402-B863-4AA4-B7CA-C5BADD25EDE0}" type="datetimeFigureOut">
               <a:rPr lang="en-US" smtClean="0"/>
-              <a:t>3/20/2023</a:t>
+              <a:t>3/30/2023</a:t>
             </a:fld>
             <a:endParaRPr lang="en-US"/>
           </a:p>
@@ -4669,7 +4663,7 @@
           <a:p>
             <a:fld id="{13CAB402-B863-4AA4-B7CA-C5BADD25EDE0}" type="datetimeFigureOut">
               <a:rPr lang="en-US" smtClean="0"/>
-              <a:t>3/20/2023</a:t>
+              <a:t>3/30/2023</a:t>
             </a:fld>
             <a:endParaRPr lang="en-US"/>
           </a:p>
@@ -4984,7 +4978,7 @@
           <a:p>
             <a:fld id="{13CAB402-B863-4AA4-B7CA-C5BADD25EDE0}" type="datetimeFigureOut">
               <a:rPr lang="en-US" smtClean="0"/>
-              <a:t>3/20/2023</a:t>
+              <a:t>3/30/2023</a:t>
             </a:fld>
             <a:endParaRPr lang="en-US"/>
           </a:p>
@@ -5335,7 +5329,7 @@
           <a:p>
             <a:fld id="{13CAB402-B863-4AA4-B7CA-C5BADD25EDE0}" type="datetimeFigureOut">
               <a:rPr lang="en-US" smtClean="0"/>
-              <a:t>3/20/2023</a:t>
+              <a:t>3/30/2023</a:t>
             </a:fld>
             <a:endParaRPr lang="en-US"/>
           </a:p>
@@ -5883,7 +5877,7 @@
           <p:cNvPr id="2" name="Title 1">
             <a:extLst>
               <a:ext uri="{FF2B5EF4-FFF2-40B4-BE49-F238E27FC236}">
-                <a16:creationId xmlns:a16="http://schemas.microsoft.com/office/drawing/2014/main" id="{CA317722-9261-B16F-DF2C-8CF6D23E8851}"/>
+                <a16:creationId xmlns:a16="http://schemas.microsoft.com/office/drawing/2014/main" id="{8973A608-0A78-B6FD-7F01-4EA794342A60}"/>
               </a:ext>
             </a:extLst>
           </p:cNvPr>
@@ -5891,7 +5885,7 @@
             <a:spLocks noGrp="1"/>
           </p:cNvSpPr>
           <p:nvPr>
-            <p:ph type="ctrTitle"/>
+            <p:ph type="title"/>
           </p:nvPr>
         </p:nvSpPr>
         <p:spPr/>
@@ -5908,10 +5902,10 @@
       </p:sp>
       <p:sp>
         <p:nvSpPr>
-          <p:cNvPr id="3" name="Subtitle 2">
+          <p:cNvPr id="3" name="Content Placeholder 2">
             <a:extLst>
               <a:ext uri="{FF2B5EF4-FFF2-40B4-BE49-F238E27FC236}">
-                <a16:creationId xmlns:a16="http://schemas.microsoft.com/office/drawing/2014/main" id="{043C9A1C-775D-C72F-DB2C-E4FD1E85D80F}"/>
+                <a16:creationId xmlns:a16="http://schemas.microsoft.com/office/drawing/2014/main" id="{BA9CA398-7FB5-E0E7-9F46-3ACC8F15C79B}"/>
               </a:ext>
             </a:extLst>
           </p:cNvPr>
@@ -5919,7 +5913,7 @@
             <a:spLocks noGrp="1"/>
           </p:cNvSpPr>
           <p:nvPr>
-            <p:ph type="subTitle" idx="1"/>
+            <p:ph idx="1"/>
           </p:nvPr>
         </p:nvSpPr>
         <p:spPr/>
@@ -5927,76 +5921,19 @@
           <a:bodyPr/>
           <a:lstStyle/>
           <a:p>
-            <a:endParaRPr lang="en-US" dirty="0"/>
-          </a:p>
-        </p:txBody>
-      </p:sp>
-    </p:spTree>
-    <p:extLst>
-      <p:ext uri="{BB962C8B-B14F-4D97-AF65-F5344CB8AC3E}">
-        <p14:creationId xmlns:p14="http://schemas.microsoft.com/office/powerpoint/2010/main" val="19180934"/>
-      </p:ext>
-    </p:extLst>
-  </p:cSld>
-  <p:clrMapOvr>
-    <a:masterClrMapping/>
-  </p:clrMapOvr>
-</p:sld>
-</file>
-
-<file path=ppt/slides/slide2.xml><?xml version="1.0" encoding="utf-8"?>
-<p:sld xmlns:a="http://schemas.openxmlformats.org/drawingml/2006/main" xmlns:r="http://schemas.openxmlformats.org/officeDocument/2006/relationships" xmlns:p="http://schemas.openxmlformats.org/presentationml/2006/main">
-  <p:cSld>
-    <p:spTree>
-      <p:nvGrpSpPr>
-        <p:cNvPr id="1" name=""/>
-        <p:cNvGrpSpPr/>
-        <p:nvPr/>
-      </p:nvGrpSpPr>
-      <p:grpSpPr>
-        <a:xfrm>
-          <a:off x="0" y="0"/>
-          <a:ext cx="0" cy="0"/>
-          <a:chOff x="0" y="0"/>
-          <a:chExt cx="0" cy="0"/>
-        </a:xfrm>
-      </p:grpSpPr>
-      <p:sp>
-        <p:nvSpPr>
-          <p:cNvPr id="2" name="Title 1">
+            <a:r>
+              <a:rPr lang="en-US" dirty="0"/>
+              <a:t>How many triangles are there in the following image?</a:t>
+            </a:r>
+          </a:p>
+        </p:txBody>
+      </p:sp>
+      <p:grpSp>
+        <p:nvGrpSpPr>
+          <p:cNvPr id="4" name="Group 3">
             <a:extLst>
               <a:ext uri="{FF2B5EF4-FFF2-40B4-BE49-F238E27FC236}">
-                <a16:creationId xmlns:a16="http://schemas.microsoft.com/office/drawing/2014/main" id="{B901A517-98D6-700B-03D7-654147AFC7D7}"/>
-              </a:ext>
-            </a:extLst>
-          </p:cNvPr>
-          <p:cNvSpPr>
-            <a:spLocks noGrp="1"/>
-          </p:cNvSpPr>
-          <p:nvPr>
-            <p:ph type="title"/>
-          </p:nvPr>
-        </p:nvSpPr>
-        <p:spPr/>
-        <p:txBody>
-          <a:bodyPr>
-            <a:normAutofit fontScale="90000"/>
-          </a:bodyPr>
-          <a:lstStyle/>
-          <a:p>
-            <a:r>
-              <a:rPr lang="en-US" dirty="0"/>
-              <a:t>How many triangles are there in the following image?</a:t>
-            </a:r>
-          </a:p>
-        </p:txBody>
-      </p:sp>
-      <p:grpSp>
-        <p:nvGrpSpPr>
-          <p:cNvPr id="33" name="Group 32">
-            <a:extLst>
-              <a:ext uri="{FF2B5EF4-FFF2-40B4-BE49-F238E27FC236}">
-                <a16:creationId xmlns:a16="http://schemas.microsoft.com/office/drawing/2014/main" id="{D08E83D3-60D3-FC8E-0085-A49F9632742C}"/>
+                <a16:creationId xmlns:a16="http://schemas.microsoft.com/office/drawing/2014/main" id="{64D77EA4-564C-0A0D-ED30-6316C4F95DAD}"/>
               </a:ext>
             </a:extLst>
           </p:cNvPr>
@@ -6005,7 +5942,7 @@
         </p:nvGrpSpPr>
         <p:grpSpPr>
           <a:xfrm>
-            <a:off x="2419927" y="2604915"/>
+            <a:off x="2256026" y="3320907"/>
             <a:ext cx="3676073" cy="2318068"/>
             <a:chOff x="2244436" y="2216987"/>
             <a:chExt cx="3676073" cy="2318068"/>
@@ -6013,10 +5950,10 @@
         </p:grpSpPr>
         <p:cxnSp>
           <p:nvCxnSpPr>
-            <p:cNvPr id="4" name="Straight Connector 3">
+            <p:cNvPr id="5" name="Straight Connector 4">
               <a:extLst>
                 <a:ext uri="{FF2B5EF4-FFF2-40B4-BE49-F238E27FC236}">
-                  <a16:creationId xmlns:a16="http://schemas.microsoft.com/office/drawing/2014/main" id="{22C47302-9B0E-710D-9639-D0E4ACADBD05}"/>
+                  <a16:creationId xmlns:a16="http://schemas.microsoft.com/office/drawing/2014/main" id="{33B98E14-2A65-93BD-3E22-414E05D18B3A}"/>
                 </a:ext>
               </a:extLst>
             </p:cNvPr>
@@ -6052,10 +5989,10 @@
         </p:cxnSp>
         <p:cxnSp>
           <p:nvCxnSpPr>
-            <p:cNvPr id="9" name="Straight Connector 8">
+            <p:cNvPr id="6" name="Straight Connector 5">
               <a:extLst>
                 <a:ext uri="{FF2B5EF4-FFF2-40B4-BE49-F238E27FC236}">
-                  <a16:creationId xmlns:a16="http://schemas.microsoft.com/office/drawing/2014/main" id="{FC46EF23-2B49-B7A4-7F21-0DBDDB721B05}"/>
+                  <a16:creationId xmlns:a16="http://schemas.microsoft.com/office/drawing/2014/main" id="{CD424B9C-0B35-AC85-CA53-835FBAC4BF4D}"/>
                 </a:ext>
               </a:extLst>
             </p:cNvPr>
@@ -6091,10 +6028,10 @@
         </p:cxnSp>
         <p:cxnSp>
           <p:nvCxnSpPr>
-            <p:cNvPr id="12" name="Straight Connector 11">
+            <p:cNvPr id="7" name="Straight Connector 6">
               <a:extLst>
                 <a:ext uri="{FF2B5EF4-FFF2-40B4-BE49-F238E27FC236}">
-                  <a16:creationId xmlns:a16="http://schemas.microsoft.com/office/drawing/2014/main" id="{945695E7-2EC4-0AD3-BE54-67E3C8E8471C}"/>
+                  <a16:creationId xmlns:a16="http://schemas.microsoft.com/office/drawing/2014/main" id="{83B25E3A-AC09-CEE0-58BC-EE2A0D984D47}"/>
                 </a:ext>
               </a:extLst>
             </p:cNvPr>
@@ -6130,10 +6067,10 @@
         </p:cxnSp>
         <p:cxnSp>
           <p:nvCxnSpPr>
-            <p:cNvPr id="16" name="Straight Connector 15">
+            <p:cNvPr id="8" name="Straight Connector 7">
               <a:extLst>
                 <a:ext uri="{FF2B5EF4-FFF2-40B4-BE49-F238E27FC236}">
-                  <a16:creationId xmlns:a16="http://schemas.microsoft.com/office/drawing/2014/main" id="{FDF4D69B-37F9-4F57-CCD4-CE285A7435C0}"/>
+                  <a16:creationId xmlns:a16="http://schemas.microsoft.com/office/drawing/2014/main" id="{AAB81CBC-1F84-56C4-3345-D3D07A1BBC78}"/>
                 </a:ext>
               </a:extLst>
             </p:cNvPr>
@@ -6169,10 +6106,10 @@
         </p:cxnSp>
         <p:cxnSp>
           <p:nvCxnSpPr>
-            <p:cNvPr id="20" name="Straight Connector 19">
+            <p:cNvPr id="9" name="Straight Connector 8">
               <a:extLst>
                 <a:ext uri="{FF2B5EF4-FFF2-40B4-BE49-F238E27FC236}">
-                  <a16:creationId xmlns:a16="http://schemas.microsoft.com/office/drawing/2014/main" id="{5890B991-E678-3BFF-4776-45CDA178FA53}"/>
+                  <a16:creationId xmlns:a16="http://schemas.microsoft.com/office/drawing/2014/main" id="{D5623CE7-5D04-EA8F-6722-751AF0B3151C}"/>
                 </a:ext>
               </a:extLst>
             </p:cNvPr>
@@ -6208,10 +6145,10 @@
         </p:cxnSp>
         <p:cxnSp>
           <p:nvCxnSpPr>
-            <p:cNvPr id="24" name="Straight Connector 23">
+            <p:cNvPr id="10" name="Straight Connector 9">
               <a:extLst>
                 <a:ext uri="{FF2B5EF4-FFF2-40B4-BE49-F238E27FC236}">
-                  <a16:creationId xmlns:a16="http://schemas.microsoft.com/office/drawing/2014/main" id="{0CF9EB0E-D4EC-B80C-0EBB-B39313BCBEEB}"/>
+                  <a16:creationId xmlns:a16="http://schemas.microsoft.com/office/drawing/2014/main" id="{196F5DC8-F59C-3C06-E6F9-4EF29D06BA0B}"/>
                 </a:ext>
               </a:extLst>
             </p:cNvPr>
@@ -6247,10 +6184,10 @@
         </p:cxnSp>
         <p:cxnSp>
           <p:nvCxnSpPr>
-            <p:cNvPr id="29" name="Straight Connector 28">
+            <p:cNvPr id="11" name="Straight Connector 10">
               <a:extLst>
                 <a:ext uri="{FF2B5EF4-FFF2-40B4-BE49-F238E27FC236}">
-                  <a16:creationId xmlns:a16="http://schemas.microsoft.com/office/drawing/2014/main" id="{5687AAF9-7A95-B0AE-54A4-C53D6E3B6ED7}"/>
+                  <a16:creationId xmlns:a16="http://schemas.microsoft.com/office/drawing/2014/main" id="{9ACD1FB0-AC89-C679-D4DD-DF8A928C1CE3}"/>
                 </a:ext>
               </a:extLst>
             </p:cNvPr>
@@ -6288,2519 +6225,7 @@
     </p:spTree>
     <p:extLst>
       <p:ext uri="{BB962C8B-B14F-4D97-AF65-F5344CB8AC3E}">
-        <p14:creationId xmlns:p14="http://schemas.microsoft.com/office/powerpoint/2010/main" val="356587805"/>
-      </p:ext>
-    </p:extLst>
-  </p:cSld>
-  <p:clrMapOvr>
-    <a:masterClrMapping/>
-  </p:clrMapOvr>
-</p:sld>
-</file>
-
-<file path=ppt/slides/slide3.xml><?xml version="1.0" encoding="utf-8"?>
-<p:sld xmlns:a="http://schemas.openxmlformats.org/drawingml/2006/main" xmlns:r="http://schemas.openxmlformats.org/officeDocument/2006/relationships" xmlns:p="http://schemas.openxmlformats.org/presentationml/2006/main">
-  <p:cSld>
-    <p:spTree>
-      <p:nvGrpSpPr>
-        <p:cNvPr id="1" name=""/>
-        <p:cNvGrpSpPr/>
-        <p:nvPr/>
-      </p:nvGrpSpPr>
-      <p:grpSpPr>
-        <a:xfrm>
-          <a:off x="0" y="0"/>
-          <a:ext cx="0" cy="0"/>
-          <a:chOff x="0" y="0"/>
-          <a:chExt cx="0" cy="0"/>
-        </a:xfrm>
-      </p:grpSpPr>
-      <p:sp>
-        <p:nvSpPr>
-          <p:cNvPr id="2" name="Title 1">
-            <a:extLst>
-              <a:ext uri="{FF2B5EF4-FFF2-40B4-BE49-F238E27FC236}">
-                <a16:creationId xmlns:a16="http://schemas.microsoft.com/office/drawing/2014/main" id="{CA317722-9261-B16F-DF2C-8CF6D23E8851}"/>
-              </a:ext>
-            </a:extLst>
-          </p:cNvPr>
-          <p:cNvSpPr>
-            <a:spLocks noGrp="1"/>
-          </p:cNvSpPr>
-          <p:nvPr>
-            <p:ph type="ctrTitle"/>
-          </p:nvPr>
-        </p:nvSpPr>
-        <p:spPr/>
-        <p:txBody>
-          <a:bodyPr/>
-          <a:lstStyle/>
-          <a:p>
-            <a:r>
-              <a:rPr lang="en-US" dirty="0"/>
-              <a:t>Solution</a:t>
-            </a:r>
-          </a:p>
-        </p:txBody>
-      </p:sp>
-      <p:sp>
-        <p:nvSpPr>
-          <p:cNvPr id="3" name="Subtitle 2">
-            <a:extLst>
-              <a:ext uri="{FF2B5EF4-FFF2-40B4-BE49-F238E27FC236}">
-                <a16:creationId xmlns:a16="http://schemas.microsoft.com/office/drawing/2014/main" id="{043C9A1C-775D-C72F-DB2C-E4FD1E85D80F}"/>
-              </a:ext>
-            </a:extLst>
-          </p:cNvPr>
-          <p:cNvSpPr>
-            <a:spLocks noGrp="1"/>
-          </p:cNvSpPr>
-          <p:nvPr>
-            <p:ph type="subTitle" idx="1"/>
-          </p:nvPr>
-        </p:nvSpPr>
-        <p:spPr/>
-        <p:txBody>
-          <a:bodyPr/>
-          <a:lstStyle/>
-          <a:p>
-            <a:endParaRPr lang="en-US" dirty="0"/>
-          </a:p>
-        </p:txBody>
-      </p:sp>
-    </p:spTree>
-    <p:extLst>
-      <p:ext uri="{BB962C8B-B14F-4D97-AF65-F5344CB8AC3E}">
-        <p14:creationId xmlns:p14="http://schemas.microsoft.com/office/powerpoint/2010/main" val="3901014800"/>
-      </p:ext>
-    </p:extLst>
-  </p:cSld>
-  <p:clrMapOvr>
-    <a:masterClrMapping/>
-  </p:clrMapOvr>
-</p:sld>
-</file>
-
-<file path=ppt/slides/slide4.xml><?xml version="1.0" encoding="utf-8"?>
-<p:sld xmlns:a="http://schemas.openxmlformats.org/drawingml/2006/main" xmlns:r="http://schemas.openxmlformats.org/officeDocument/2006/relationships" xmlns:p="http://schemas.openxmlformats.org/presentationml/2006/main">
-  <p:cSld>
-    <p:spTree>
-      <p:nvGrpSpPr>
-        <p:cNvPr id="1" name=""/>
-        <p:cNvGrpSpPr/>
-        <p:nvPr/>
-      </p:nvGrpSpPr>
-      <p:grpSpPr>
-        <a:xfrm>
-          <a:off x="0" y="0"/>
-          <a:ext cx="0" cy="0"/>
-          <a:chOff x="0" y="0"/>
-          <a:chExt cx="0" cy="0"/>
-        </a:xfrm>
-      </p:grpSpPr>
-      <p:sp>
-        <p:nvSpPr>
-          <p:cNvPr id="2" name="Title 1">
-            <a:extLst>
-              <a:ext uri="{FF2B5EF4-FFF2-40B4-BE49-F238E27FC236}">
-                <a16:creationId xmlns:a16="http://schemas.microsoft.com/office/drawing/2014/main" id="{85FA0EE0-8514-4C69-2434-63F53B5AE139}"/>
-              </a:ext>
-            </a:extLst>
-          </p:cNvPr>
-          <p:cNvSpPr>
-            <a:spLocks noGrp="1"/>
-          </p:cNvSpPr>
-          <p:nvPr>
-            <p:ph type="title"/>
-          </p:nvPr>
-        </p:nvSpPr>
-        <p:spPr/>
-        <p:txBody>
-          <a:bodyPr>
-            <a:normAutofit fontScale="90000"/>
-          </a:bodyPr>
-          <a:lstStyle/>
-          <a:p>
-            <a:r>
-              <a:rPr lang="en-US" dirty="0"/>
-              <a:t>Step 1: Decompose the image into 3 subcomponents</a:t>
-            </a:r>
-          </a:p>
-        </p:txBody>
-      </p:sp>
-      <p:cxnSp>
-        <p:nvCxnSpPr>
-          <p:cNvPr id="5" name="Straight Connector 4">
-            <a:extLst>
-              <a:ext uri="{FF2B5EF4-FFF2-40B4-BE49-F238E27FC236}">
-                <a16:creationId xmlns:a16="http://schemas.microsoft.com/office/drawing/2014/main" id="{EB097799-F69F-691C-8A49-55BDD40BF51E}"/>
-              </a:ext>
-            </a:extLst>
-          </p:cNvPr>
-          <p:cNvCxnSpPr>
-            <a:cxnSpLocks/>
-          </p:cNvCxnSpPr>
-          <p:nvPr/>
-        </p:nvCxnSpPr>
-        <p:spPr>
-          <a:xfrm flipH="1">
-            <a:off x="1295402" y="3002081"/>
-            <a:ext cx="1620198" cy="2318066"/>
-          </a:xfrm>
-          <a:prstGeom prst="line">
-            <a:avLst/>
-          </a:prstGeom>
-          <a:ln w="22225"/>
-        </p:spPr>
-        <p:style>
-          <a:lnRef idx="1">
-            <a:schemeClr val="dk1"/>
-          </a:lnRef>
-          <a:fillRef idx="0">
-            <a:schemeClr val="dk1"/>
-          </a:fillRef>
-          <a:effectRef idx="0">
-            <a:schemeClr val="dk1"/>
-          </a:effectRef>
-          <a:fontRef idx="minor">
-            <a:schemeClr val="tx1"/>
-          </a:fontRef>
-        </p:style>
-      </p:cxnSp>
-      <p:cxnSp>
-        <p:nvCxnSpPr>
-          <p:cNvPr id="6" name="Straight Connector 5">
-            <a:extLst>
-              <a:ext uri="{FF2B5EF4-FFF2-40B4-BE49-F238E27FC236}">
-                <a16:creationId xmlns:a16="http://schemas.microsoft.com/office/drawing/2014/main" id="{7D394832-3D1C-6FC4-BFCA-04B914938957}"/>
-              </a:ext>
-            </a:extLst>
-          </p:cNvPr>
-          <p:cNvCxnSpPr>
-            <a:cxnSpLocks/>
-          </p:cNvCxnSpPr>
-          <p:nvPr/>
-        </p:nvCxnSpPr>
-        <p:spPr>
-          <a:xfrm>
-            <a:off x="2915600" y="3002081"/>
-            <a:ext cx="2055875" cy="2318066"/>
-          </a:xfrm>
-          <a:prstGeom prst="line">
-            <a:avLst/>
-          </a:prstGeom>
-          <a:ln w="22225"/>
-        </p:spPr>
-        <p:style>
-          <a:lnRef idx="1">
-            <a:schemeClr val="dk1"/>
-          </a:lnRef>
-          <a:fillRef idx="0">
-            <a:schemeClr val="dk1"/>
-          </a:fillRef>
-          <a:effectRef idx="0">
-            <a:schemeClr val="dk1"/>
-          </a:effectRef>
-          <a:fontRef idx="minor">
-            <a:schemeClr val="tx1"/>
-          </a:fontRef>
-        </p:style>
-      </p:cxnSp>
-      <p:cxnSp>
-        <p:nvCxnSpPr>
-          <p:cNvPr id="7" name="Straight Connector 6">
-            <a:extLst>
-              <a:ext uri="{FF2B5EF4-FFF2-40B4-BE49-F238E27FC236}">
-                <a16:creationId xmlns:a16="http://schemas.microsoft.com/office/drawing/2014/main" id="{ABA3028D-7994-93DD-BF18-29B39F9EB6D2}"/>
-              </a:ext>
-            </a:extLst>
-          </p:cNvPr>
-          <p:cNvCxnSpPr>
-            <a:cxnSpLocks/>
-          </p:cNvCxnSpPr>
-          <p:nvPr/>
-        </p:nvCxnSpPr>
-        <p:spPr>
-          <a:xfrm flipH="1">
-            <a:off x="1295402" y="5320147"/>
-            <a:ext cx="3676073" cy="0"/>
-          </a:xfrm>
-          <a:prstGeom prst="line">
-            <a:avLst/>
-          </a:prstGeom>
-          <a:ln w="22225"/>
-        </p:spPr>
-        <p:style>
-          <a:lnRef idx="1">
-            <a:schemeClr val="dk1"/>
-          </a:lnRef>
-          <a:fillRef idx="0">
-            <a:schemeClr val="dk1"/>
-          </a:fillRef>
-          <a:effectRef idx="0">
-            <a:schemeClr val="dk1"/>
-          </a:effectRef>
-          <a:fontRef idx="minor">
-            <a:schemeClr val="tx1"/>
-          </a:fontRef>
-        </p:style>
-      </p:cxnSp>
-      <p:cxnSp>
-        <p:nvCxnSpPr>
-          <p:cNvPr id="8" name="Straight Connector 7">
-            <a:extLst>
-              <a:ext uri="{FF2B5EF4-FFF2-40B4-BE49-F238E27FC236}">
-                <a16:creationId xmlns:a16="http://schemas.microsoft.com/office/drawing/2014/main" id="{29D9496D-CAB2-9205-67FA-071A26AF81B8}"/>
-              </a:ext>
-            </a:extLst>
-          </p:cNvPr>
-          <p:cNvCxnSpPr>
-            <a:cxnSpLocks/>
-          </p:cNvCxnSpPr>
-          <p:nvPr/>
-        </p:nvCxnSpPr>
-        <p:spPr>
-          <a:xfrm flipH="1">
-            <a:off x="2105501" y="3002080"/>
-            <a:ext cx="810099" cy="2318067"/>
-          </a:xfrm>
-          <a:prstGeom prst="line">
-            <a:avLst/>
-          </a:prstGeom>
-          <a:ln w="22225"/>
-        </p:spPr>
-        <p:style>
-          <a:lnRef idx="1">
-            <a:schemeClr val="dk1"/>
-          </a:lnRef>
-          <a:fillRef idx="0">
-            <a:schemeClr val="dk1"/>
-          </a:fillRef>
-          <a:effectRef idx="0">
-            <a:schemeClr val="dk1"/>
-          </a:effectRef>
-          <a:fontRef idx="minor">
-            <a:schemeClr val="tx1"/>
-          </a:fontRef>
-        </p:style>
-      </p:cxnSp>
-      <p:cxnSp>
-        <p:nvCxnSpPr>
-          <p:cNvPr id="9" name="Straight Connector 8">
-            <a:extLst>
-              <a:ext uri="{FF2B5EF4-FFF2-40B4-BE49-F238E27FC236}">
-                <a16:creationId xmlns:a16="http://schemas.microsoft.com/office/drawing/2014/main" id="{7838A392-4261-ABDE-89B0-C471B0C887C4}"/>
-              </a:ext>
-            </a:extLst>
-          </p:cNvPr>
-          <p:cNvCxnSpPr>
-            <a:cxnSpLocks/>
-          </p:cNvCxnSpPr>
-          <p:nvPr/>
-        </p:nvCxnSpPr>
-        <p:spPr>
-          <a:xfrm>
-            <a:off x="2915600" y="3002079"/>
-            <a:ext cx="0" cy="2318068"/>
-          </a:xfrm>
-          <a:prstGeom prst="line">
-            <a:avLst/>
-          </a:prstGeom>
-          <a:ln w="22225"/>
-        </p:spPr>
-        <p:style>
-          <a:lnRef idx="1">
-            <a:schemeClr val="dk1"/>
-          </a:lnRef>
-          <a:fillRef idx="0">
-            <a:schemeClr val="dk1"/>
-          </a:fillRef>
-          <a:effectRef idx="0">
-            <a:schemeClr val="dk1"/>
-          </a:effectRef>
-          <a:fontRef idx="minor">
-            <a:schemeClr val="tx1"/>
-          </a:fontRef>
-        </p:style>
-      </p:cxnSp>
-      <p:cxnSp>
-        <p:nvCxnSpPr>
-          <p:cNvPr id="10" name="Straight Connector 9">
-            <a:extLst>
-              <a:ext uri="{FF2B5EF4-FFF2-40B4-BE49-F238E27FC236}">
-                <a16:creationId xmlns:a16="http://schemas.microsoft.com/office/drawing/2014/main" id="{E0665158-FA86-CFF6-7031-9AEC7CF2435F}"/>
-              </a:ext>
-            </a:extLst>
-          </p:cNvPr>
-          <p:cNvCxnSpPr>
-            <a:cxnSpLocks/>
-          </p:cNvCxnSpPr>
-          <p:nvPr/>
-        </p:nvCxnSpPr>
-        <p:spPr>
-          <a:xfrm>
-            <a:off x="2915600" y="3002079"/>
-            <a:ext cx="845911" cy="2318068"/>
-          </a:xfrm>
-          <a:prstGeom prst="line">
-            <a:avLst/>
-          </a:prstGeom>
-          <a:ln w="22225"/>
-        </p:spPr>
-        <p:style>
-          <a:lnRef idx="1">
-            <a:schemeClr val="dk1"/>
-          </a:lnRef>
-          <a:fillRef idx="0">
-            <a:schemeClr val="dk1"/>
-          </a:fillRef>
-          <a:effectRef idx="0">
-            <a:schemeClr val="dk1"/>
-          </a:effectRef>
-          <a:fontRef idx="minor">
-            <a:schemeClr val="tx1"/>
-          </a:fontRef>
-        </p:style>
-      </p:cxnSp>
-      <p:cxnSp>
-        <p:nvCxnSpPr>
-          <p:cNvPr id="11" name="Straight Connector 10">
-            <a:extLst>
-              <a:ext uri="{FF2B5EF4-FFF2-40B4-BE49-F238E27FC236}">
-                <a16:creationId xmlns:a16="http://schemas.microsoft.com/office/drawing/2014/main" id="{AF7EEACE-723C-DEC6-6D9F-05E2F243FB3C}"/>
-              </a:ext>
-            </a:extLst>
-          </p:cNvPr>
-          <p:cNvCxnSpPr>
-            <a:cxnSpLocks/>
-          </p:cNvCxnSpPr>
-          <p:nvPr/>
-        </p:nvCxnSpPr>
-        <p:spPr>
-          <a:xfrm flipV="1">
-            <a:off x="1295402" y="4091710"/>
-            <a:ext cx="2593491" cy="1221509"/>
-          </a:xfrm>
-          <a:prstGeom prst="line">
-            <a:avLst/>
-          </a:prstGeom>
-          <a:ln w="22225"/>
-        </p:spPr>
-        <p:style>
-          <a:lnRef idx="1">
-            <a:schemeClr val="dk1"/>
-          </a:lnRef>
-          <a:fillRef idx="0">
-            <a:schemeClr val="dk1"/>
-          </a:fillRef>
-          <a:effectRef idx="0">
-            <a:schemeClr val="dk1"/>
-          </a:effectRef>
-          <a:fontRef idx="minor">
-            <a:schemeClr val="tx1"/>
-          </a:fontRef>
-        </p:style>
-      </p:cxnSp>
-      <p:sp>
-        <p:nvSpPr>
-          <p:cNvPr id="12" name="Arrow: Right 11">
-            <a:extLst>
-              <a:ext uri="{FF2B5EF4-FFF2-40B4-BE49-F238E27FC236}">
-                <a16:creationId xmlns:a16="http://schemas.microsoft.com/office/drawing/2014/main" id="{1AB1A8EA-F82A-3172-2985-19003AB8332C}"/>
-              </a:ext>
-            </a:extLst>
-          </p:cNvPr>
-          <p:cNvSpPr/>
-          <p:nvPr/>
-        </p:nvSpPr>
-        <p:spPr>
-          <a:xfrm>
-            <a:off x="4957221" y="3782421"/>
-            <a:ext cx="535709" cy="378693"/>
-          </a:xfrm>
-          <a:prstGeom prst="rightArrow">
-            <a:avLst/>
-          </a:prstGeom>
-        </p:spPr>
-        <p:style>
-          <a:lnRef idx="2">
-            <a:schemeClr val="accent1">
-              <a:shade val="50000"/>
-            </a:schemeClr>
-          </a:lnRef>
-          <a:fillRef idx="1">
-            <a:schemeClr val="accent1"/>
-          </a:fillRef>
-          <a:effectRef idx="0">
-            <a:schemeClr val="accent1"/>
-          </a:effectRef>
-          <a:fontRef idx="minor">
-            <a:schemeClr val="lt1"/>
-          </a:fontRef>
-        </p:style>
-        <p:txBody>
-          <a:bodyPr rtlCol="0" anchor="ctr"/>
-          <a:lstStyle/>
-          <a:p>
-            <a:pPr algn="ctr"/>
-            <a:endParaRPr lang="en-US"/>
-          </a:p>
-        </p:txBody>
-      </p:sp>
-      <p:grpSp>
-        <p:nvGrpSpPr>
-          <p:cNvPr id="49" name="Group 48">
-            <a:extLst>
-              <a:ext uri="{FF2B5EF4-FFF2-40B4-BE49-F238E27FC236}">
-                <a16:creationId xmlns:a16="http://schemas.microsoft.com/office/drawing/2014/main" id="{2989AAC2-E868-31F4-8A3F-19D7A16E2271}"/>
-              </a:ext>
-            </a:extLst>
-          </p:cNvPr>
-          <p:cNvGrpSpPr/>
-          <p:nvPr/>
-        </p:nvGrpSpPr>
-        <p:grpSpPr>
-          <a:xfrm>
-            <a:off x="6576367" y="3095095"/>
-            <a:ext cx="1254327" cy="1117472"/>
-            <a:chOff x="5492930" y="2581824"/>
-            <a:chExt cx="2601959" cy="2318068"/>
-          </a:xfrm>
-        </p:grpSpPr>
-        <p:cxnSp>
-          <p:nvCxnSpPr>
-            <p:cNvPr id="13" name="Straight Connector 12">
-              <a:extLst>
-                <a:ext uri="{FF2B5EF4-FFF2-40B4-BE49-F238E27FC236}">
-                  <a16:creationId xmlns:a16="http://schemas.microsoft.com/office/drawing/2014/main" id="{F9C7399F-3972-28B3-CE23-7B10E9C278EB}"/>
-                </a:ext>
-              </a:extLst>
-            </p:cNvPr>
-            <p:cNvCxnSpPr>
-              <a:cxnSpLocks/>
-            </p:cNvCxnSpPr>
-            <p:nvPr/>
-          </p:nvCxnSpPr>
-          <p:spPr>
-            <a:xfrm flipH="1">
-              <a:off x="5492930" y="2581826"/>
-              <a:ext cx="1620198" cy="2318066"/>
-            </a:xfrm>
-            <a:prstGeom prst="line">
-              <a:avLst/>
-            </a:prstGeom>
-            <a:ln w="22225"/>
-          </p:spPr>
-          <p:style>
-            <a:lnRef idx="1">
-              <a:schemeClr val="dk1"/>
-            </a:lnRef>
-            <a:fillRef idx="0">
-              <a:schemeClr val="dk1"/>
-            </a:fillRef>
-            <a:effectRef idx="0">
-              <a:schemeClr val="dk1"/>
-            </a:effectRef>
-            <a:fontRef idx="minor">
-              <a:schemeClr val="tx1"/>
-            </a:fontRef>
-          </p:style>
-        </p:cxnSp>
-        <p:cxnSp>
-          <p:nvCxnSpPr>
-            <p:cNvPr id="14" name="Straight Connector 13">
-              <a:extLst>
-                <a:ext uri="{FF2B5EF4-FFF2-40B4-BE49-F238E27FC236}">
-                  <a16:creationId xmlns:a16="http://schemas.microsoft.com/office/drawing/2014/main" id="{AE7B5CB0-0FB5-262F-A28C-2AB2C8F1C9ED}"/>
-                </a:ext>
-              </a:extLst>
-            </p:cNvPr>
-            <p:cNvCxnSpPr>
-              <a:cxnSpLocks/>
-            </p:cNvCxnSpPr>
-            <p:nvPr/>
-          </p:nvCxnSpPr>
-          <p:spPr>
-            <a:xfrm>
-              <a:off x="7113128" y="2581826"/>
-              <a:ext cx="981761" cy="1089629"/>
-            </a:xfrm>
-            <a:prstGeom prst="line">
-              <a:avLst/>
-            </a:prstGeom>
-            <a:ln w="22225"/>
-          </p:spPr>
-          <p:style>
-            <a:lnRef idx="1">
-              <a:schemeClr val="dk1"/>
-            </a:lnRef>
-            <a:fillRef idx="0">
-              <a:schemeClr val="dk1"/>
-            </a:fillRef>
-            <a:effectRef idx="0">
-              <a:schemeClr val="dk1"/>
-            </a:effectRef>
-            <a:fontRef idx="minor">
-              <a:schemeClr val="tx1"/>
-            </a:fontRef>
-          </p:style>
-        </p:cxnSp>
-        <p:cxnSp>
-          <p:nvCxnSpPr>
-            <p:cNvPr id="16" name="Straight Connector 15">
-              <a:extLst>
-                <a:ext uri="{FF2B5EF4-FFF2-40B4-BE49-F238E27FC236}">
-                  <a16:creationId xmlns:a16="http://schemas.microsoft.com/office/drawing/2014/main" id="{53A0879D-9180-0FBC-2B50-4C1C3570B53B}"/>
-                </a:ext>
-              </a:extLst>
-            </p:cNvPr>
-            <p:cNvCxnSpPr>
-              <a:cxnSpLocks/>
-            </p:cNvCxnSpPr>
-            <p:nvPr/>
-          </p:nvCxnSpPr>
-          <p:spPr>
-            <a:xfrm flipH="1">
-              <a:off x="6474691" y="2581825"/>
-              <a:ext cx="638437" cy="1879339"/>
-            </a:xfrm>
-            <a:prstGeom prst="line">
-              <a:avLst/>
-            </a:prstGeom>
-            <a:ln w="22225"/>
-          </p:spPr>
-          <p:style>
-            <a:lnRef idx="1">
-              <a:schemeClr val="dk1"/>
-            </a:lnRef>
-            <a:fillRef idx="0">
-              <a:schemeClr val="dk1"/>
-            </a:fillRef>
-            <a:effectRef idx="0">
-              <a:schemeClr val="dk1"/>
-            </a:effectRef>
-            <a:fontRef idx="minor">
-              <a:schemeClr val="tx1"/>
-            </a:fontRef>
-          </p:style>
-        </p:cxnSp>
-        <p:cxnSp>
-          <p:nvCxnSpPr>
-            <p:cNvPr id="17" name="Straight Connector 16">
-              <a:extLst>
-                <a:ext uri="{FF2B5EF4-FFF2-40B4-BE49-F238E27FC236}">
-                  <a16:creationId xmlns:a16="http://schemas.microsoft.com/office/drawing/2014/main" id="{A0AA3D30-2328-255D-AE1E-4DE465BE5F37}"/>
-                </a:ext>
-              </a:extLst>
-            </p:cNvPr>
-            <p:cNvCxnSpPr>
-              <a:cxnSpLocks/>
-            </p:cNvCxnSpPr>
-            <p:nvPr/>
-          </p:nvCxnSpPr>
-          <p:spPr>
-            <a:xfrm>
-              <a:off x="7113128" y="2581824"/>
-              <a:ext cx="0" cy="1579290"/>
-            </a:xfrm>
-            <a:prstGeom prst="line">
-              <a:avLst/>
-            </a:prstGeom>
-            <a:ln w="22225"/>
-          </p:spPr>
-          <p:style>
-            <a:lnRef idx="1">
-              <a:schemeClr val="dk1"/>
-            </a:lnRef>
-            <a:fillRef idx="0">
-              <a:schemeClr val="dk1"/>
-            </a:fillRef>
-            <a:effectRef idx="0">
-              <a:schemeClr val="dk1"/>
-            </a:effectRef>
-            <a:fontRef idx="minor">
-              <a:schemeClr val="tx1"/>
-            </a:fontRef>
-          </p:style>
-        </p:cxnSp>
-        <p:cxnSp>
-          <p:nvCxnSpPr>
-            <p:cNvPr id="18" name="Straight Connector 17">
-              <a:extLst>
-                <a:ext uri="{FF2B5EF4-FFF2-40B4-BE49-F238E27FC236}">
-                  <a16:creationId xmlns:a16="http://schemas.microsoft.com/office/drawing/2014/main" id="{4B1BCDA7-1E28-3108-E9DC-EAF166414879}"/>
-                </a:ext>
-              </a:extLst>
-            </p:cNvPr>
-            <p:cNvCxnSpPr>
-              <a:cxnSpLocks/>
-            </p:cNvCxnSpPr>
-            <p:nvPr/>
-          </p:nvCxnSpPr>
-          <p:spPr>
-            <a:xfrm>
-              <a:off x="7113128" y="2581824"/>
-              <a:ext cx="479163" cy="1325158"/>
-            </a:xfrm>
-            <a:prstGeom prst="line">
-              <a:avLst/>
-            </a:prstGeom>
-            <a:ln w="22225"/>
-          </p:spPr>
-          <p:style>
-            <a:lnRef idx="1">
-              <a:schemeClr val="dk1"/>
-            </a:lnRef>
-            <a:fillRef idx="0">
-              <a:schemeClr val="dk1"/>
-            </a:fillRef>
-            <a:effectRef idx="0">
-              <a:schemeClr val="dk1"/>
-            </a:effectRef>
-            <a:fontRef idx="minor">
-              <a:schemeClr val="tx1"/>
-            </a:fontRef>
-          </p:style>
-        </p:cxnSp>
-        <p:cxnSp>
-          <p:nvCxnSpPr>
-            <p:cNvPr id="19" name="Straight Connector 18">
-              <a:extLst>
-                <a:ext uri="{FF2B5EF4-FFF2-40B4-BE49-F238E27FC236}">
-                  <a16:creationId xmlns:a16="http://schemas.microsoft.com/office/drawing/2014/main" id="{65688804-6560-633D-0AF4-1BF262077501}"/>
-                </a:ext>
-              </a:extLst>
-            </p:cNvPr>
-            <p:cNvCxnSpPr>
-              <a:cxnSpLocks/>
-            </p:cNvCxnSpPr>
-            <p:nvPr/>
-          </p:nvCxnSpPr>
-          <p:spPr>
-            <a:xfrm flipV="1">
-              <a:off x="5492930" y="3671455"/>
-              <a:ext cx="2593491" cy="1221509"/>
-            </a:xfrm>
-            <a:prstGeom prst="line">
-              <a:avLst/>
-            </a:prstGeom>
-            <a:ln w="22225"/>
-          </p:spPr>
-          <p:style>
-            <a:lnRef idx="1">
-              <a:schemeClr val="dk1"/>
-            </a:lnRef>
-            <a:fillRef idx="0">
-              <a:schemeClr val="dk1"/>
-            </a:fillRef>
-            <a:effectRef idx="0">
-              <a:schemeClr val="dk1"/>
-            </a:effectRef>
-            <a:fontRef idx="minor">
-              <a:schemeClr val="tx1"/>
-            </a:fontRef>
-          </p:style>
-        </p:cxnSp>
-      </p:grpSp>
-      <p:grpSp>
-        <p:nvGrpSpPr>
-          <p:cNvPr id="88" name="Group 87">
-            <a:extLst>
-              <a:ext uri="{FF2B5EF4-FFF2-40B4-BE49-F238E27FC236}">
-                <a16:creationId xmlns:a16="http://schemas.microsoft.com/office/drawing/2014/main" id="{794A40C1-7241-3303-8EEC-0753F47F2A57}"/>
-              </a:ext>
-            </a:extLst>
-          </p:cNvPr>
-          <p:cNvGrpSpPr/>
-          <p:nvPr/>
-        </p:nvGrpSpPr>
-        <p:grpSpPr>
-          <a:xfrm>
-            <a:off x="6726031" y="4432810"/>
-            <a:ext cx="1762131" cy="588853"/>
-            <a:chOff x="7113128" y="4053479"/>
-            <a:chExt cx="3676073" cy="1228437"/>
-          </a:xfrm>
-        </p:grpSpPr>
-        <p:cxnSp>
-          <p:nvCxnSpPr>
-            <p:cNvPr id="51" name="Straight Connector 50">
-              <a:extLst>
-                <a:ext uri="{FF2B5EF4-FFF2-40B4-BE49-F238E27FC236}">
-                  <a16:creationId xmlns:a16="http://schemas.microsoft.com/office/drawing/2014/main" id="{FAB00045-FF4E-9D7C-53AB-A3A8AB4A5003}"/>
-                </a:ext>
-              </a:extLst>
-            </p:cNvPr>
-            <p:cNvCxnSpPr>
-              <a:cxnSpLocks/>
-            </p:cNvCxnSpPr>
-            <p:nvPr/>
-          </p:nvCxnSpPr>
-          <p:spPr>
-            <a:xfrm>
-              <a:off x="9690457" y="4053479"/>
-              <a:ext cx="1098744" cy="1228437"/>
-            </a:xfrm>
-            <a:prstGeom prst="line">
-              <a:avLst/>
-            </a:prstGeom>
-            <a:ln w="22225"/>
-          </p:spPr>
-          <p:style>
-            <a:lnRef idx="1">
-              <a:schemeClr val="dk1"/>
-            </a:lnRef>
-            <a:fillRef idx="0">
-              <a:schemeClr val="dk1"/>
-            </a:fillRef>
-            <a:effectRef idx="0">
-              <a:schemeClr val="dk1"/>
-            </a:effectRef>
-            <a:fontRef idx="minor">
-              <a:schemeClr val="tx1"/>
-            </a:fontRef>
-          </p:style>
-        </p:cxnSp>
-        <p:cxnSp>
-          <p:nvCxnSpPr>
-            <p:cNvPr id="52" name="Straight Connector 51">
-              <a:extLst>
-                <a:ext uri="{FF2B5EF4-FFF2-40B4-BE49-F238E27FC236}">
-                  <a16:creationId xmlns:a16="http://schemas.microsoft.com/office/drawing/2014/main" id="{3A83D95A-425C-8203-8565-03D4414A606B}"/>
-                </a:ext>
-              </a:extLst>
-            </p:cNvPr>
-            <p:cNvCxnSpPr>
-              <a:cxnSpLocks/>
-            </p:cNvCxnSpPr>
-            <p:nvPr/>
-          </p:nvCxnSpPr>
-          <p:spPr>
-            <a:xfrm flipH="1">
-              <a:off x="7113128" y="5281916"/>
-              <a:ext cx="3676073" cy="0"/>
-            </a:xfrm>
-            <a:prstGeom prst="line">
-              <a:avLst/>
-            </a:prstGeom>
-            <a:ln w="22225"/>
-          </p:spPr>
-          <p:style>
-            <a:lnRef idx="1">
-              <a:schemeClr val="dk1"/>
-            </a:lnRef>
-            <a:fillRef idx="0">
-              <a:schemeClr val="dk1"/>
-            </a:fillRef>
-            <a:effectRef idx="0">
-              <a:schemeClr val="dk1"/>
-            </a:effectRef>
-            <a:fontRef idx="minor">
-              <a:schemeClr val="tx1"/>
-            </a:fontRef>
-          </p:style>
-        </p:cxnSp>
-        <p:cxnSp>
-          <p:nvCxnSpPr>
-            <p:cNvPr id="53" name="Straight Connector 52">
-              <a:extLst>
-                <a:ext uri="{FF2B5EF4-FFF2-40B4-BE49-F238E27FC236}">
-                  <a16:creationId xmlns:a16="http://schemas.microsoft.com/office/drawing/2014/main" id="{7650F9B3-E343-0622-53B7-51EA3D545255}"/>
-                </a:ext>
-              </a:extLst>
-            </p:cNvPr>
-            <p:cNvCxnSpPr>
-              <a:cxnSpLocks/>
-            </p:cNvCxnSpPr>
-            <p:nvPr/>
-          </p:nvCxnSpPr>
-          <p:spPr>
-            <a:xfrm flipH="1">
-              <a:off x="7923227" y="4821514"/>
-              <a:ext cx="131849" cy="460402"/>
-            </a:xfrm>
-            <a:prstGeom prst="line">
-              <a:avLst/>
-            </a:prstGeom>
-            <a:ln w="22225"/>
-          </p:spPr>
-          <p:style>
-            <a:lnRef idx="1">
-              <a:schemeClr val="dk1"/>
-            </a:lnRef>
-            <a:fillRef idx="0">
-              <a:schemeClr val="dk1"/>
-            </a:fillRef>
-            <a:effectRef idx="0">
-              <a:schemeClr val="dk1"/>
-            </a:effectRef>
-            <a:fontRef idx="minor">
-              <a:schemeClr val="tx1"/>
-            </a:fontRef>
-          </p:style>
-        </p:cxnSp>
-        <p:cxnSp>
-          <p:nvCxnSpPr>
-            <p:cNvPr id="54" name="Straight Connector 53">
-              <a:extLst>
-                <a:ext uri="{FF2B5EF4-FFF2-40B4-BE49-F238E27FC236}">
-                  <a16:creationId xmlns:a16="http://schemas.microsoft.com/office/drawing/2014/main" id="{D81D86A9-B815-80AB-05C7-412F77AB4A37}"/>
-                </a:ext>
-              </a:extLst>
-            </p:cNvPr>
-            <p:cNvCxnSpPr>
-              <a:cxnSpLocks/>
-            </p:cNvCxnSpPr>
-            <p:nvPr/>
-          </p:nvCxnSpPr>
-          <p:spPr>
-            <a:xfrm>
-              <a:off x="8733326" y="4505325"/>
-              <a:ext cx="0" cy="776591"/>
-            </a:xfrm>
-            <a:prstGeom prst="line">
-              <a:avLst/>
-            </a:prstGeom>
-            <a:ln w="22225"/>
-          </p:spPr>
-          <p:style>
-            <a:lnRef idx="1">
-              <a:schemeClr val="dk1"/>
-            </a:lnRef>
-            <a:fillRef idx="0">
-              <a:schemeClr val="dk1"/>
-            </a:fillRef>
-            <a:effectRef idx="0">
-              <a:schemeClr val="dk1"/>
-            </a:effectRef>
-            <a:fontRef idx="minor">
-              <a:schemeClr val="tx1"/>
-            </a:fontRef>
-          </p:style>
-        </p:cxnSp>
-        <p:cxnSp>
-          <p:nvCxnSpPr>
-            <p:cNvPr id="55" name="Straight Connector 54">
-              <a:extLst>
-                <a:ext uri="{FF2B5EF4-FFF2-40B4-BE49-F238E27FC236}">
-                  <a16:creationId xmlns:a16="http://schemas.microsoft.com/office/drawing/2014/main" id="{37FF1949-90B6-CA7A-288C-8C79C7543CF4}"/>
-                </a:ext>
-              </a:extLst>
-            </p:cNvPr>
-            <p:cNvCxnSpPr>
-              <a:cxnSpLocks/>
-            </p:cNvCxnSpPr>
-            <p:nvPr/>
-          </p:nvCxnSpPr>
-          <p:spPr>
-            <a:xfrm>
-              <a:off x="9199418" y="4285673"/>
-              <a:ext cx="379819" cy="996243"/>
-            </a:xfrm>
-            <a:prstGeom prst="line">
-              <a:avLst/>
-            </a:prstGeom>
-            <a:ln w="22225"/>
-          </p:spPr>
-          <p:style>
-            <a:lnRef idx="1">
-              <a:schemeClr val="dk1"/>
-            </a:lnRef>
-            <a:fillRef idx="0">
-              <a:schemeClr val="dk1"/>
-            </a:fillRef>
-            <a:effectRef idx="0">
-              <a:schemeClr val="dk1"/>
-            </a:effectRef>
-            <a:fontRef idx="minor">
-              <a:schemeClr val="tx1"/>
-            </a:fontRef>
-          </p:style>
-        </p:cxnSp>
-        <p:cxnSp>
-          <p:nvCxnSpPr>
-            <p:cNvPr id="56" name="Straight Connector 55">
-              <a:extLst>
-                <a:ext uri="{FF2B5EF4-FFF2-40B4-BE49-F238E27FC236}">
-                  <a16:creationId xmlns:a16="http://schemas.microsoft.com/office/drawing/2014/main" id="{41AE79A0-7CC0-468B-3C51-FE7933391194}"/>
-                </a:ext>
-              </a:extLst>
-            </p:cNvPr>
-            <p:cNvCxnSpPr>
-              <a:cxnSpLocks/>
-            </p:cNvCxnSpPr>
-            <p:nvPr/>
-          </p:nvCxnSpPr>
-          <p:spPr>
-            <a:xfrm flipV="1">
-              <a:off x="7113128" y="4053479"/>
-              <a:ext cx="2593491" cy="1221509"/>
-            </a:xfrm>
-            <a:prstGeom prst="line">
-              <a:avLst/>
-            </a:prstGeom>
-            <a:ln w="22225"/>
-          </p:spPr>
-          <p:style>
-            <a:lnRef idx="1">
-              <a:schemeClr val="dk1"/>
-            </a:lnRef>
-            <a:fillRef idx="0">
-              <a:schemeClr val="dk1"/>
-            </a:fillRef>
-            <a:effectRef idx="0">
-              <a:schemeClr val="dk1"/>
-            </a:effectRef>
-            <a:fontRef idx="minor">
-              <a:schemeClr val="tx1"/>
-            </a:fontRef>
-          </p:style>
-        </p:cxnSp>
-      </p:grpSp>
-      <p:grpSp>
-        <p:nvGrpSpPr>
-          <p:cNvPr id="96" name="Group 95">
-            <a:extLst>
-              <a:ext uri="{FF2B5EF4-FFF2-40B4-BE49-F238E27FC236}">
-                <a16:creationId xmlns:a16="http://schemas.microsoft.com/office/drawing/2014/main" id="{223F2261-8D9D-687D-9924-05746E150755}"/>
-              </a:ext>
-            </a:extLst>
-          </p:cNvPr>
-          <p:cNvGrpSpPr/>
-          <p:nvPr/>
-        </p:nvGrpSpPr>
-        <p:grpSpPr>
-          <a:xfrm>
-            <a:off x="8910049" y="3470113"/>
-            <a:ext cx="1591081" cy="1003308"/>
-            <a:chOff x="8190332" y="1994711"/>
-            <a:chExt cx="3676073" cy="2318068"/>
-          </a:xfrm>
-        </p:grpSpPr>
-        <p:cxnSp>
-          <p:nvCxnSpPr>
-            <p:cNvPr id="89" name="Straight Connector 88">
-              <a:extLst>
-                <a:ext uri="{FF2B5EF4-FFF2-40B4-BE49-F238E27FC236}">
-                  <a16:creationId xmlns:a16="http://schemas.microsoft.com/office/drawing/2014/main" id="{23C93221-AA61-C8D2-6978-0232F3AEA74B}"/>
-                </a:ext>
-              </a:extLst>
-            </p:cNvPr>
-            <p:cNvCxnSpPr>
-              <a:cxnSpLocks/>
-            </p:cNvCxnSpPr>
-            <p:nvPr/>
-          </p:nvCxnSpPr>
-          <p:spPr>
-            <a:xfrm flipH="1">
-              <a:off x="8190332" y="1994713"/>
-              <a:ext cx="1620198" cy="2318066"/>
-            </a:xfrm>
-            <a:prstGeom prst="line">
-              <a:avLst/>
-            </a:prstGeom>
-            <a:ln w="22225"/>
-          </p:spPr>
-          <p:style>
-            <a:lnRef idx="1">
-              <a:schemeClr val="dk1"/>
-            </a:lnRef>
-            <a:fillRef idx="0">
-              <a:schemeClr val="dk1"/>
-            </a:fillRef>
-            <a:effectRef idx="0">
-              <a:schemeClr val="dk1"/>
-            </a:effectRef>
-            <a:fontRef idx="minor">
-              <a:schemeClr val="tx1"/>
-            </a:fontRef>
-          </p:style>
-        </p:cxnSp>
-        <p:cxnSp>
-          <p:nvCxnSpPr>
-            <p:cNvPr id="90" name="Straight Connector 89">
-              <a:extLst>
-                <a:ext uri="{FF2B5EF4-FFF2-40B4-BE49-F238E27FC236}">
-                  <a16:creationId xmlns:a16="http://schemas.microsoft.com/office/drawing/2014/main" id="{67E0AD2F-57AF-46C0-772A-475E6125C071}"/>
-                </a:ext>
-              </a:extLst>
-            </p:cNvPr>
-            <p:cNvCxnSpPr>
-              <a:cxnSpLocks/>
-            </p:cNvCxnSpPr>
-            <p:nvPr/>
-          </p:nvCxnSpPr>
-          <p:spPr>
-            <a:xfrm>
-              <a:off x="9810530" y="1994713"/>
-              <a:ext cx="2055875" cy="2318066"/>
-            </a:xfrm>
-            <a:prstGeom prst="line">
-              <a:avLst/>
-            </a:prstGeom>
-            <a:ln w="22225"/>
-          </p:spPr>
-          <p:style>
-            <a:lnRef idx="1">
-              <a:schemeClr val="dk1"/>
-            </a:lnRef>
-            <a:fillRef idx="0">
-              <a:schemeClr val="dk1"/>
-            </a:fillRef>
-            <a:effectRef idx="0">
-              <a:schemeClr val="dk1"/>
-            </a:effectRef>
-            <a:fontRef idx="minor">
-              <a:schemeClr val="tx1"/>
-            </a:fontRef>
-          </p:style>
-        </p:cxnSp>
-        <p:cxnSp>
-          <p:nvCxnSpPr>
-            <p:cNvPr id="91" name="Straight Connector 90">
-              <a:extLst>
-                <a:ext uri="{FF2B5EF4-FFF2-40B4-BE49-F238E27FC236}">
-                  <a16:creationId xmlns:a16="http://schemas.microsoft.com/office/drawing/2014/main" id="{73E1433B-D363-9C92-41C0-81E50DA2384C}"/>
-                </a:ext>
-              </a:extLst>
-            </p:cNvPr>
-            <p:cNvCxnSpPr>
-              <a:cxnSpLocks/>
-            </p:cNvCxnSpPr>
-            <p:nvPr/>
-          </p:nvCxnSpPr>
-          <p:spPr>
-            <a:xfrm flipH="1">
-              <a:off x="8190332" y="4312779"/>
-              <a:ext cx="3676073" cy="0"/>
-            </a:xfrm>
-            <a:prstGeom prst="line">
-              <a:avLst/>
-            </a:prstGeom>
-            <a:ln w="22225"/>
-          </p:spPr>
-          <p:style>
-            <a:lnRef idx="1">
-              <a:schemeClr val="dk1"/>
-            </a:lnRef>
-            <a:fillRef idx="0">
-              <a:schemeClr val="dk1"/>
-            </a:fillRef>
-            <a:effectRef idx="0">
-              <a:schemeClr val="dk1"/>
-            </a:effectRef>
-            <a:fontRef idx="minor">
-              <a:schemeClr val="tx1"/>
-            </a:fontRef>
-          </p:style>
-        </p:cxnSp>
-        <p:cxnSp>
-          <p:nvCxnSpPr>
-            <p:cNvPr id="92" name="Straight Connector 91">
-              <a:extLst>
-                <a:ext uri="{FF2B5EF4-FFF2-40B4-BE49-F238E27FC236}">
-                  <a16:creationId xmlns:a16="http://schemas.microsoft.com/office/drawing/2014/main" id="{22F520F6-9FE0-2DD1-2911-FB18C33D7DC6}"/>
-                </a:ext>
-              </a:extLst>
-            </p:cNvPr>
-            <p:cNvCxnSpPr>
-              <a:cxnSpLocks/>
-            </p:cNvCxnSpPr>
-            <p:nvPr/>
-          </p:nvCxnSpPr>
-          <p:spPr>
-            <a:xfrm flipH="1">
-              <a:off x="9000431" y="1994712"/>
-              <a:ext cx="810099" cy="2318067"/>
-            </a:xfrm>
-            <a:prstGeom prst="line">
-              <a:avLst/>
-            </a:prstGeom>
-            <a:ln w="22225"/>
-          </p:spPr>
-          <p:style>
-            <a:lnRef idx="1">
-              <a:schemeClr val="dk1"/>
-            </a:lnRef>
-            <a:fillRef idx="0">
-              <a:schemeClr val="dk1"/>
-            </a:fillRef>
-            <a:effectRef idx="0">
-              <a:schemeClr val="dk1"/>
-            </a:effectRef>
-            <a:fontRef idx="minor">
-              <a:schemeClr val="tx1"/>
-            </a:fontRef>
-          </p:style>
-        </p:cxnSp>
-        <p:cxnSp>
-          <p:nvCxnSpPr>
-            <p:cNvPr id="93" name="Straight Connector 92">
-              <a:extLst>
-                <a:ext uri="{FF2B5EF4-FFF2-40B4-BE49-F238E27FC236}">
-                  <a16:creationId xmlns:a16="http://schemas.microsoft.com/office/drawing/2014/main" id="{3B4EDFFA-AAB7-0A53-4ADE-49BB3A499CC6}"/>
-                </a:ext>
-              </a:extLst>
-            </p:cNvPr>
-            <p:cNvCxnSpPr>
-              <a:cxnSpLocks/>
-            </p:cNvCxnSpPr>
-            <p:nvPr/>
-          </p:nvCxnSpPr>
-          <p:spPr>
-            <a:xfrm>
-              <a:off x="9810530" y="1994711"/>
-              <a:ext cx="0" cy="2318068"/>
-            </a:xfrm>
-            <a:prstGeom prst="line">
-              <a:avLst/>
-            </a:prstGeom>
-            <a:ln w="22225"/>
-          </p:spPr>
-          <p:style>
-            <a:lnRef idx="1">
-              <a:schemeClr val="dk1"/>
-            </a:lnRef>
-            <a:fillRef idx="0">
-              <a:schemeClr val="dk1"/>
-            </a:fillRef>
-            <a:effectRef idx="0">
-              <a:schemeClr val="dk1"/>
-            </a:effectRef>
-            <a:fontRef idx="minor">
-              <a:schemeClr val="tx1"/>
-            </a:fontRef>
-          </p:style>
-        </p:cxnSp>
-        <p:cxnSp>
-          <p:nvCxnSpPr>
-            <p:cNvPr id="94" name="Straight Connector 93">
-              <a:extLst>
-                <a:ext uri="{FF2B5EF4-FFF2-40B4-BE49-F238E27FC236}">
-                  <a16:creationId xmlns:a16="http://schemas.microsoft.com/office/drawing/2014/main" id="{8F44B54A-7337-8915-5B39-533FD53E052A}"/>
-                </a:ext>
-              </a:extLst>
-            </p:cNvPr>
-            <p:cNvCxnSpPr>
-              <a:cxnSpLocks/>
-            </p:cNvCxnSpPr>
-            <p:nvPr/>
-          </p:nvCxnSpPr>
-          <p:spPr>
-            <a:xfrm>
-              <a:off x="9810530" y="1994711"/>
-              <a:ext cx="845911" cy="2318068"/>
-            </a:xfrm>
-            <a:prstGeom prst="line">
-              <a:avLst/>
-            </a:prstGeom>
-            <a:ln w="22225"/>
-          </p:spPr>
-          <p:style>
-            <a:lnRef idx="1">
-              <a:schemeClr val="dk1"/>
-            </a:lnRef>
-            <a:fillRef idx="0">
-              <a:schemeClr val="dk1"/>
-            </a:fillRef>
-            <a:effectRef idx="0">
-              <a:schemeClr val="dk1"/>
-            </a:effectRef>
-            <a:fontRef idx="minor">
-              <a:schemeClr val="tx1"/>
-            </a:fontRef>
-          </p:style>
-        </p:cxnSp>
-      </p:grpSp>
-    </p:spTree>
-    <p:extLst>
-      <p:ext uri="{BB962C8B-B14F-4D97-AF65-F5344CB8AC3E}">
-        <p14:creationId xmlns:p14="http://schemas.microsoft.com/office/powerpoint/2010/main" val="3120308793"/>
-      </p:ext>
-    </p:extLst>
-  </p:cSld>
-  <p:clrMapOvr>
-    <a:masterClrMapping/>
-  </p:clrMapOvr>
-</p:sld>
-</file>
-
-<file path=ppt/slides/slide5.xml><?xml version="1.0" encoding="utf-8"?>
-<p:sld xmlns:a="http://schemas.openxmlformats.org/drawingml/2006/main" xmlns:r="http://schemas.openxmlformats.org/officeDocument/2006/relationships" xmlns:p="http://schemas.openxmlformats.org/presentationml/2006/main">
-  <p:cSld>
-    <p:spTree>
-      <p:nvGrpSpPr>
-        <p:cNvPr id="1" name=""/>
-        <p:cNvGrpSpPr/>
-        <p:nvPr/>
-      </p:nvGrpSpPr>
-      <p:grpSpPr>
-        <a:xfrm>
-          <a:off x="0" y="0"/>
-          <a:ext cx="0" cy="0"/>
-          <a:chOff x="0" y="0"/>
-          <a:chExt cx="0" cy="0"/>
-        </a:xfrm>
-      </p:grpSpPr>
-      <p:sp>
-        <p:nvSpPr>
-          <p:cNvPr id="2" name="Title 1">
-            <a:extLst>
-              <a:ext uri="{FF2B5EF4-FFF2-40B4-BE49-F238E27FC236}">
-                <a16:creationId xmlns:a16="http://schemas.microsoft.com/office/drawing/2014/main" id="{85FA0EE0-8514-4C69-2434-63F53B5AE139}"/>
-              </a:ext>
-            </a:extLst>
-          </p:cNvPr>
-          <p:cNvSpPr>
-            <a:spLocks noGrp="1"/>
-          </p:cNvSpPr>
-          <p:nvPr>
-            <p:ph type="title"/>
-          </p:nvPr>
-        </p:nvSpPr>
-        <p:spPr/>
-        <p:txBody>
-          <a:bodyPr>
-            <a:normAutofit fontScale="90000"/>
-          </a:bodyPr>
-          <a:lstStyle/>
-          <a:p>
-            <a:r>
-              <a:rPr lang="en-US" dirty="0"/>
-              <a:t>Step 2: Count the triangles in each subcomponent</a:t>
-            </a:r>
-          </a:p>
-        </p:txBody>
-      </p:sp>
-      <p:sp>
-        <p:nvSpPr>
-          <p:cNvPr id="12" name="Arrow: Right 11">
-            <a:extLst>
-              <a:ext uri="{FF2B5EF4-FFF2-40B4-BE49-F238E27FC236}">
-                <a16:creationId xmlns:a16="http://schemas.microsoft.com/office/drawing/2014/main" id="{1AB1A8EA-F82A-3172-2985-19003AB8332C}"/>
-              </a:ext>
-            </a:extLst>
-          </p:cNvPr>
-          <p:cNvSpPr/>
-          <p:nvPr/>
-        </p:nvSpPr>
-        <p:spPr>
-          <a:xfrm>
-            <a:off x="3485640" y="2849958"/>
-            <a:ext cx="535709" cy="378693"/>
-          </a:xfrm>
-          <a:prstGeom prst="rightArrow">
-            <a:avLst/>
-          </a:prstGeom>
-        </p:spPr>
-        <p:style>
-          <a:lnRef idx="2">
-            <a:schemeClr val="accent1">
-              <a:shade val="50000"/>
-            </a:schemeClr>
-          </a:lnRef>
-          <a:fillRef idx="1">
-            <a:schemeClr val="accent1"/>
-          </a:fillRef>
-          <a:effectRef idx="0">
-            <a:schemeClr val="accent1"/>
-          </a:effectRef>
-          <a:fontRef idx="minor">
-            <a:schemeClr val="lt1"/>
-          </a:fontRef>
-        </p:style>
-        <p:txBody>
-          <a:bodyPr rtlCol="0" anchor="ctr"/>
-          <a:lstStyle/>
-          <a:p>
-            <a:pPr algn="ctr"/>
-            <a:endParaRPr lang="en-US"/>
-          </a:p>
-        </p:txBody>
-      </p:sp>
-      <p:grpSp>
-        <p:nvGrpSpPr>
-          <p:cNvPr id="49" name="Group 48">
-            <a:extLst>
-              <a:ext uri="{FF2B5EF4-FFF2-40B4-BE49-F238E27FC236}">
-                <a16:creationId xmlns:a16="http://schemas.microsoft.com/office/drawing/2014/main" id="{2989AAC2-E868-31F4-8A3F-19D7A16E2271}"/>
-              </a:ext>
-            </a:extLst>
-          </p:cNvPr>
-          <p:cNvGrpSpPr/>
-          <p:nvPr/>
-        </p:nvGrpSpPr>
-        <p:grpSpPr>
-          <a:xfrm>
-            <a:off x="1688827" y="2584739"/>
-            <a:ext cx="1254327" cy="1117472"/>
-            <a:chOff x="5492930" y="2581824"/>
-            <a:chExt cx="2601959" cy="2318068"/>
-          </a:xfrm>
-        </p:grpSpPr>
-        <p:cxnSp>
-          <p:nvCxnSpPr>
-            <p:cNvPr id="13" name="Straight Connector 12">
-              <a:extLst>
-                <a:ext uri="{FF2B5EF4-FFF2-40B4-BE49-F238E27FC236}">
-                  <a16:creationId xmlns:a16="http://schemas.microsoft.com/office/drawing/2014/main" id="{F9C7399F-3972-28B3-CE23-7B10E9C278EB}"/>
-                </a:ext>
-              </a:extLst>
-            </p:cNvPr>
-            <p:cNvCxnSpPr>
-              <a:cxnSpLocks/>
-            </p:cNvCxnSpPr>
-            <p:nvPr/>
-          </p:nvCxnSpPr>
-          <p:spPr>
-            <a:xfrm flipH="1">
-              <a:off x="5492930" y="2581826"/>
-              <a:ext cx="1620198" cy="2318066"/>
-            </a:xfrm>
-            <a:prstGeom prst="line">
-              <a:avLst/>
-            </a:prstGeom>
-            <a:ln w="22225"/>
-          </p:spPr>
-          <p:style>
-            <a:lnRef idx="1">
-              <a:schemeClr val="dk1"/>
-            </a:lnRef>
-            <a:fillRef idx="0">
-              <a:schemeClr val="dk1"/>
-            </a:fillRef>
-            <a:effectRef idx="0">
-              <a:schemeClr val="dk1"/>
-            </a:effectRef>
-            <a:fontRef idx="minor">
-              <a:schemeClr val="tx1"/>
-            </a:fontRef>
-          </p:style>
-        </p:cxnSp>
-        <p:cxnSp>
-          <p:nvCxnSpPr>
-            <p:cNvPr id="14" name="Straight Connector 13">
-              <a:extLst>
-                <a:ext uri="{FF2B5EF4-FFF2-40B4-BE49-F238E27FC236}">
-                  <a16:creationId xmlns:a16="http://schemas.microsoft.com/office/drawing/2014/main" id="{AE7B5CB0-0FB5-262F-A28C-2AB2C8F1C9ED}"/>
-                </a:ext>
-              </a:extLst>
-            </p:cNvPr>
-            <p:cNvCxnSpPr>
-              <a:cxnSpLocks/>
-            </p:cNvCxnSpPr>
-            <p:nvPr/>
-          </p:nvCxnSpPr>
-          <p:spPr>
-            <a:xfrm>
-              <a:off x="7113128" y="2581826"/>
-              <a:ext cx="981761" cy="1089629"/>
-            </a:xfrm>
-            <a:prstGeom prst="line">
-              <a:avLst/>
-            </a:prstGeom>
-            <a:ln w="22225"/>
-          </p:spPr>
-          <p:style>
-            <a:lnRef idx="1">
-              <a:schemeClr val="dk1"/>
-            </a:lnRef>
-            <a:fillRef idx="0">
-              <a:schemeClr val="dk1"/>
-            </a:fillRef>
-            <a:effectRef idx="0">
-              <a:schemeClr val="dk1"/>
-            </a:effectRef>
-            <a:fontRef idx="minor">
-              <a:schemeClr val="tx1"/>
-            </a:fontRef>
-          </p:style>
-        </p:cxnSp>
-        <p:cxnSp>
-          <p:nvCxnSpPr>
-            <p:cNvPr id="16" name="Straight Connector 15">
-              <a:extLst>
-                <a:ext uri="{FF2B5EF4-FFF2-40B4-BE49-F238E27FC236}">
-                  <a16:creationId xmlns:a16="http://schemas.microsoft.com/office/drawing/2014/main" id="{53A0879D-9180-0FBC-2B50-4C1C3570B53B}"/>
-                </a:ext>
-              </a:extLst>
-            </p:cNvPr>
-            <p:cNvCxnSpPr>
-              <a:cxnSpLocks/>
-            </p:cNvCxnSpPr>
-            <p:nvPr/>
-          </p:nvCxnSpPr>
-          <p:spPr>
-            <a:xfrm flipH="1">
-              <a:off x="6474691" y="2581825"/>
-              <a:ext cx="638437" cy="1879339"/>
-            </a:xfrm>
-            <a:prstGeom prst="line">
-              <a:avLst/>
-            </a:prstGeom>
-            <a:ln w="22225"/>
-          </p:spPr>
-          <p:style>
-            <a:lnRef idx="1">
-              <a:schemeClr val="dk1"/>
-            </a:lnRef>
-            <a:fillRef idx="0">
-              <a:schemeClr val="dk1"/>
-            </a:fillRef>
-            <a:effectRef idx="0">
-              <a:schemeClr val="dk1"/>
-            </a:effectRef>
-            <a:fontRef idx="minor">
-              <a:schemeClr val="tx1"/>
-            </a:fontRef>
-          </p:style>
-        </p:cxnSp>
-        <p:cxnSp>
-          <p:nvCxnSpPr>
-            <p:cNvPr id="17" name="Straight Connector 16">
-              <a:extLst>
-                <a:ext uri="{FF2B5EF4-FFF2-40B4-BE49-F238E27FC236}">
-                  <a16:creationId xmlns:a16="http://schemas.microsoft.com/office/drawing/2014/main" id="{A0AA3D30-2328-255D-AE1E-4DE465BE5F37}"/>
-                </a:ext>
-              </a:extLst>
-            </p:cNvPr>
-            <p:cNvCxnSpPr>
-              <a:cxnSpLocks/>
-            </p:cNvCxnSpPr>
-            <p:nvPr/>
-          </p:nvCxnSpPr>
-          <p:spPr>
-            <a:xfrm>
-              <a:off x="7113128" y="2581824"/>
-              <a:ext cx="0" cy="1579290"/>
-            </a:xfrm>
-            <a:prstGeom prst="line">
-              <a:avLst/>
-            </a:prstGeom>
-            <a:ln w="22225"/>
-          </p:spPr>
-          <p:style>
-            <a:lnRef idx="1">
-              <a:schemeClr val="dk1"/>
-            </a:lnRef>
-            <a:fillRef idx="0">
-              <a:schemeClr val="dk1"/>
-            </a:fillRef>
-            <a:effectRef idx="0">
-              <a:schemeClr val="dk1"/>
-            </a:effectRef>
-            <a:fontRef idx="minor">
-              <a:schemeClr val="tx1"/>
-            </a:fontRef>
-          </p:style>
-        </p:cxnSp>
-        <p:cxnSp>
-          <p:nvCxnSpPr>
-            <p:cNvPr id="18" name="Straight Connector 17">
-              <a:extLst>
-                <a:ext uri="{FF2B5EF4-FFF2-40B4-BE49-F238E27FC236}">
-                  <a16:creationId xmlns:a16="http://schemas.microsoft.com/office/drawing/2014/main" id="{4B1BCDA7-1E28-3108-E9DC-EAF166414879}"/>
-                </a:ext>
-              </a:extLst>
-            </p:cNvPr>
-            <p:cNvCxnSpPr>
-              <a:cxnSpLocks/>
-            </p:cNvCxnSpPr>
-            <p:nvPr/>
-          </p:nvCxnSpPr>
-          <p:spPr>
-            <a:xfrm>
-              <a:off x="7113128" y="2581824"/>
-              <a:ext cx="479163" cy="1325158"/>
-            </a:xfrm>
-            <a:prstGeom prst="line">
-              <a:avLst/>
-            </a:prstGeom>
-            <a:ln w="22225"/>
-          </p:spPr>
-          <p:style>
-            <a:lnRef idx="1">
-              <a:schemeClr val="dk1"/>
-            </a:lnRef>
-            <a:fillRef idx="0">
-              <a:schemeClr val="dk1"/>
-            </a:fillRef>
-            <a:effectRef idx="0">
-              <a:schemeClr val="dk1"/>
-            </a:effectRef>
-            <a:fontRef idx="minor">
-              <a:schemeClr val="tx1"/>
-            </a:fontRef>
-          </p:style>
-        </p:cxnSp>
-        <p:cxnSp>
-          <p:nvCxnSpPr>
-            <p:cNvPr id="19" name="Straight Connector 18">
-              <a:extLst>
-                <a:ext uri="{FF2B5EF4-FFF2-40B4-BE49-F238E27FC236}">
-                  <a16:creationId xmlns:a16="http://schemas.microsoft.com/office/drawing/2014/main" id="{65688804-6560-633D-0AF4-1BF262077501}"/>
-                </a:ext>
-              </a:extLst>
-            </p:cNvPr>
-            <p:cNvCxnSpPr>
-              <a:cxnSpLocks/>
-            </p:cNvCxnSpPr>
-            <p:nvPr/>
-          </p:nvCxnSpPr>
-          <p:spPr>
-            <a:xfrm flipV="1">
-              <a:off x="5492930" y="3671455"/>
-              <a:ext cx="2593491" cy="1221509"/>
-            </a:xfrm>
-            <a:prstGeom prst="line">
-              <a:avLst/>
-            </a:prstGeom>
-            <a:ln w="22225"/>
-          </p:spPr>
-          <p:style>
-            <a:lnRef idx="1">
-              <a:schemeClr val="dk1"/>
-            </a:lnRef>
-            <a:fillRef idx="0">
-              <a:schemeClr val="dk1"/>
-            </a:fillRef>
-            <a:effectRef idx="0">
-              <a:schemeClr val="dk1"/>
-            </a:effectRef>
-            <a:fontRef idx="minor">
-              <a:schemeClr val="tx1"/>
-            </a:fontRef>
-          </p:style>
-        </p:cxnSp>
-      </p:grpSp>
-      <p:grpSp>
-        <p:nvGrpSpPr>
-          <p:cNvPr id="88" name="Group 87">
-            <a:extLst>
-              <a:ext uri="{FF2B5EF4-FFF2-40B4-BE49-F238E27FC236}">
-                <a16:creationId xmlns:a16="http://schemas.microsoft.com/office/drawing/2014/main" id="{794A40C1-7241-3303-8EEC-0753F47F2A57}"/>
-              </a:ext>
-            </a:extLst>
-          </p:cNvPr>
-          <p:cNvGrpSpPr/>
-          <p:nvPr/>
-        </p:nvGrpSpPr>
-        <p:grpSpPr>
-          <a:xfrm>
-            <a:off x="1484712" y="5158667"/>
-            <a:ext cx="1762131" cy="588853"/>
-            <a:chOff x="7113128" y="4053479"/>
-            <a:chExt cx="3676073" cy="1228437"/>
-          </a:xfrm>
-        </p:grpSpPr>
-        <p:cxnSp>
-          <p:nvCxnSpPr>
-            <p:cNvPr id="51" name="Straight Connector 50">
-              <a:extLst>
-                <a:ext uri="{FF2B5EF4-FFF2-40B4-BE49-F238E27FC236}">
-                  <a16:creationId xmlns:a16="http://schemas.microsoft.com/office/drawing/2014/main" id="{FAB00045-FF4E-9D7C-53AB-A3A8AB4A5003}"/>
-                </a:ext>
-              </a:extLst>
-            </p:cNvPr>
-            <p:cNvCxnSpPr>
-              <a:cxnSpLocks/>
-            </p:cNvCxnSpPr>
-            <p:nvPr/>
-          </p:nvCxnSpPr>
-          <p:spPr>
-            <a:xfrm>
-              <a:off x="9690457" y="4053479"/>
-              <a:ext cx="1098744" cy="1228437"/>
-            </a:xfrm>
-            <a:prstGeom prst="line">
-              <a:avLst/>
-            </a:prstGeom>
-            <a:ln w="22225"/>
-          </p:spPr>
-          <p:style>
-            <a:lnRef idx="1">
-              <a:schemeClr val="dk1"/>
-            </a:lnRef>
-            <a:fillRef idx="0">
-              <a:schemeClr val="dk1"/>
-            </a:fillRef>
-            <a:effectRef idx="0">
-              <a:schemeClr val="dk1"/>
-            </a:effectRef>
-            <a:fontRef idx="minor">
-              <a:schemeClr val="tx1"/>
-            </a:fontRef>
-          </p:style>
-        </p:cxnSp>
-        <p:cxnSp>
-          <p:nvCxnSpPr>
-            <p:cNvPr id="52" name="Straight Connector 51">
-              <a:extLst>
-                <a:ext uri="{FF2B5EF4-FFF2-40B4-BE49-F238E27FC236}">
-                  <a16:creationId xmlns:a16="http://schemas.microsoft.com/office/drawing/2014/main" id="{3A83D95A-425C-8203-8565-03D4414A606B}"/>
-                </a:ext>
-              </a:extLst>
-            </p:cNvPr>
-            <p:cNvCxnSpPr>
-              <a:cxnSpLocks/>
-            </p:cNvCxnSpPr>
-            <p:nvPr/>
-          </p:nvCxnSpPr>
-          <p:spPr>
-            <a:xfrm flipH="1">
-              <a:off x="7113128" y="5281916"/>
-              <a:ext cx="3676073" cy="0"/>
-            </a:xfrm>
-            <a:prstGeom prst="line">
-              <a:avLst/>
-            </a:prstGeom>
-            <a:ln w="22225"/>
-          </p:spPr>
-          <p:style>
-            <a:lnRef idx="1">
-              <a:schemeClr val="dk1"/>
-            </a:lnRef>
-            <a:fillRef idx="0">
-              <a:schemeClr val="dk1"/>
-            </a:fillRef>
-            <a:effectRef idx="0">
-              <a:schemeClr val="dk1"/>
-            </a:effectRef>
-            <a:fontRef idx="minor">
-              <a:schemeClr val="tx1"/>
-            </a:fontRef>
-          </p:style>
-        </p:cxnSp>
-        <p:cxnSp>
-          <p:nvCxnSpPr>
-            <p:cNvPr id="53" name="Straight Connector 52">
-              <a:extLst>
-                <a:ext uri="{FF2B5EF4-FFF2-40B4-BE49-F238E27FC236}">
-                  <a16:creationId xmlns:a16="http://schemas.microsoft.com/office/drawing/2014/main" id="{7650F9B3-E343-0622-53B7-51EA3D545255}"/>
-                </a:ext>
-              </a:extLst>
-            </p:cNvPr>
-            <p:cNvCxnSpPr>
-              <a:cxnSpLocks/>
-            </p:cNvCxnSpPr>
-            <p:nvPr/>
-          </p:nvCxnSpPr>
-          <p:spPr>
-            <a:xfrm flipH="1">
-              <a:off x="7923227" y="4821514"/>
-              <a:ext cx="131849" cy="460402"/>
-            </a:xfrm>
-            <a:prstGeom prst="line">
-              <a:avLst/>
-            </a:prstGeom>
-            <a:ln w="22225"/>
-          </p:spPr>
-          <p:style>
-            <a:lnRef idx="1">
-              <a:schemeClr val="dk1"/>
-            </a:lnRef>
-            <a:fillRef idx="0">
-              <a:schemeClr val="dk1"/>
-            </a:fillRef>
-            <a:effectRef idx="0">
-              <a:schemeClr val="dk1"/>
-            </a:effectRef>
-            <a:fontRef idx="minor">
-              <a:schemeClr val="tx1"/>
-            </a:fontRef>
-          </p:style>
-        </p:cxnSp>
-        <p:cxnSp>
-          <p:nvCxnSpPr>
-            <p:cNvPr id="54" name="Straight Connector 53">
-              <a:extLst>
-                <a:ext uri="{FF2B5EF4-FFF2-40B4-BE49-F238E27FC236}">
-                  <a16:creationId xmlns:a16="http://schemas.microsoft.com/office/drawing/2014/main" id="{D81D86A9-B815-80AB-05C7-412F77AB4A37}"/>
-                </a:ext>
-              </a:extLst>
-            </p:cNvPr>
-            <p:cNvCxnSpPr>
-              <a:cxnSpLocks/>
-            </p:cNvCxnSpPr>
-            <p:nvPr/>
-          </p:nvCxnSpPr>
-          <p:spPr>
-            <a:xfrm>
-              <a:off x="8733326" y="4505325"/>
-              <a:ext cx="0" cy="776591"/>
-            </a:xfrm>
-            <a:prstGeom prst="line">
-              <a:avLst/>
-            </a:prstGeom>
-            <a:ln w="22225"/>
-          </p:spPr>
-          <p:style>
-            <a:lnRef idx="1">
-              <a:schemeClr val="dk1"/>
-            </a:lnRef>
-            <a:fillRef idx="0">
-              <a:schemeClr val="dk1"/>
-            </a:fillRef>
-            <a:effectRef idx="0">
-              <a:schemeClr val="dk1"/>
-            </a:effectRef>
-            <a:fontRef idx="minor">
-              <a:schemeClr val="tx1"/>
-            </a:fontRef>
-          </p:style>
-        </p:cxnSp>
-        <p:cxnSp>
-          <p:nvCxnSpPr>
-            <p:cNvPr id="55" name="Straight Connector 54">
-              <a:extLst>
-                <a:ext uri="{FF2B5EF4-FFF2-40B4-BE49-F238E27FC236}">
-                  <a16:creationId xmlns:a16="http://schemas.microsoft.com/office/drawing/2014/main" id="{37FF1949-90B6-CA7A-288C-8C79C7543CF4}"/>
-                </a:ext>
-              </a:extLst>
-            </p:cNvPr>
-            <p:cNvCxnSpPr>
-              <a:cxnSpLocks/>
-            </p:cNvCxnSpPr>
-            <p:nvPr/>
-          </p:nvCxnSpPr>
-          <p:spPr>
-            <a:xfrm>
-              <a:off x="9199418" y="4285673"/>
-              <a:ext cx="379819" cy="996243"/>
-            </a:xfrm>
-            <a:prstGeom prst="line">
-              <a:avLst/>
-            </a:prstGeom>
-            <a:ln w="22225"/>
-          </p:spPr>
-          <p:style>
-            <a:lnRef idx="1">
-              <a:schemeClr val="dk1"/>
-            </a:lnRef>
-            <a:fillRef idx="0">
-              <a:schemeClr val="dk1"/>
-            </a:fillRef>
-            <a:effectRef idx="0">
-              <a:schemeClr val="dk1"/>
-            </a:effectRef>
-            <a:fontRef idx="minor">
-              <a:schemeClr val="tx1"/>
-            </a:fontRef>
-          </p:style>
-        </p:cxnSp>
-        <p:cxnSp>
-          <p:nvCxnSpPr>
-            <p:cNvPr id="56" name="Straight Connector 55">
-              <a:extLst>
-                <a:ext uri="{FF2B5EF4-FFF2-40B4-BE49-F238E27FC236}">
-                  <a16:creationId xmlns:a16="http://schemas.microsoft.com/office/drawing/2014/main" id="{41AE79A0-7CC0-468B-3C51-FE7933391194}"/>
-                </a:ext>
-              </a:extLst>
-            </p:cNvPr>
-            <p:cNvCxnSpPr>
-              <a:cxnSpLocks/>
-            </p:cNvCxnSpPr>
-            <p:nvPr/>
-          </p:nvCxnSpPr>
-          <p:spPr>
-            <a:xfrm flipV="1">
-              <a:off x="7113128" y="4053479"/>
-              <a:ext cx="2593491" cy="1221509"/>
-            </a:xfrm>
-            <a:prstGeom prst="line">
-              <a:avLst/>
-            </a:prstGeom>
-            <a:ln w="22225"/>
-          </p:spPr>
-          <p:style>
-            <a:lnRef idx="1">
-              <a:schemeClr val="dk1"/>
-            </a:lnRef>
-            <a:fillRef idx="0">
-              <a:schemeClr val="dk1"/>
-            </a:fillRef>
-            <a:effectRef idx="0">
-              <a:schemeClr val="dk1"/>
-            </a:effectRef>
-            <a:fontRef idx="minor">
-              <a:schemeClr val="tx1"/>
-            </a:fontRef>
-          </p:style>
-        </p:cxnSp>
-      </p:grpSp>
-      <p:grpSp>
-        <p:nvGrpSpPr>
-          <p:cNvPr id="96" name="Group 95">
-            <a:extLst>
-              <a:ext uri="{FF2B5EF4-FFF2-40B4-BE49-F238E27FC236}">
-                <a16:creationId xmlns:a16="http://schemas.microsoft.com/office/drawing/2014/main" id="{223F2261-8D9D-687D-9924-05746E150755}"/>
-              </a:ext>
-            </a:extLst>
-          </p:cNvPr>
-          <p:cNvGrpSpPr/>
-          <p:nvPr/>
-        </p:nvGrpSpPr>
-        <p:grpSpPr>
-          <a:xfrm>
-            <a:off x="1639451" y="3745794"/>
-            <a:ext cx="1591081" cy="1003308"/>
-            <a:chOff x="8190332" y="1994711"/>
-            <a:chExt cx="3676073" cy="2318068"/>
-          </a:xfrm>
-        </p:grpSpPr>
-        <p:cxnSp>
-          <p:nvCxnSpPr>
-            <p:cNvPr id="89" name="Straight Connector 88">
-              <a:extLst>
-                <a:ext uri="{FF2B5EF4-FFF2-40B4-BE49-F238E27FC236}">
-                  <a16:creationId xmlns:a16="http://schemas.microsoft.com/office/drawing/2014/main" id="{23C93221-AA61-C8D2-6978-0232F3AEA74B}"/>
-                </a:ext>
-              </a:extLst>
-            </p:cNvPr>
-            <p:cNvCxnSpPr>
-              <a:cxnSpLocks/>
-            </p:cNvCxnSpPr>
-            <p:nvPr/>
-          </p:nvCxnSpPr>
-          <p:spPr>
-            <a:xfrm flipH="1">
-              <a:off x="8190332" y="1994713"/>
-              <a:ext cx="1620198" cy="2318066"/>
-            </a:xfrm>
-            <a:prstGeom prst="line">
-              <a:avLst/>
-            </a:prstGeom>
-            <a:ln w="22225"/>
-          </p:spPr>
-          <p:style>
-            <a:lnRef idx="1">
-              <a:schemeClr val="dk1"/>
-            </a:lnRef>
-            <a:fillRef idx="0">
-              <a:schemeClr val="dk1"/>
-            </a:fillRef>
-            <a:effectRef idx="0">
-              <a:schemeClr val="dk1"/>
-            </a:effectRef>
-            <a:fontRef idx="minor">
-              <a:schemeClr val="tx1"/>
-            </a:fontRef>
-          </p:style>
-        </p:cxnSp>
-        <p:cxnSp>
-          <p:nvCxnSpPr>
-            <p:cNvPr id="90" name="Straight Connector 89">
-              <a:extLst>
-                <a:ext uri="{FF2B5EF4-FFF2-40B4-BE49-F238E27FC236}">
-                  <a16:creationId xmlns:a16="http://schemas.microsoft.com/office/drawing/2014/main" id="{67E0AD2F-57AF-46C0-772A-475E6125C071}"/>
-                </a:ext>
-              </a:extLst>
-            </p:cNvPr>
-            <p:cNvCxnSpPr>
-              <a:cxnSpLocks/>
-            </p:cNvCxnSpPr>
-            <p:nvPr/>
-          </p:nvCxnSpPr>
-          <p:spPr>
-            <a:xfrm>
-              <a:off x="9810530" y="1994713"/>
-              <a:ext cx="2055875" cy="2318066"/>
-            </a:xfrm>
-            <a:prstGeom prst="line">
-              <a:avLst/>
-            </a:prstGeom>
-            <a:ln w="22225"/>
-          </p:spPr>
-          <p:style>
-            <a:lnRef idx="1">
-              <a:schemeClr val="dk1"/>
-            </a:lnRef>
-            <a:fillRef idx="0">
-              <a:schemeClr val="dk1"/>
-            </a:fillRef>
-            <a:effectRef idx="0">
-              <a:schemeClr val="dk1"/>
-            </a:effectRef>
-            <a:fontRef idx="minor">
-              <a:schemeClr val="tx1"/>
-            </a:fontRef>
-          </p:style>
-        </p:cxnSp>
-        <p:cxnSp>
-          <p:nvCxnSpPr>
-            <p:cNvPr id="91" name="Straight Connector 90">
-              <a:extLst>
-                <a:ext uri="{FF2B5EF4-FFF2-40B4-BE49-F238E27FC236}">
-                  <a16:creationId xmlns:a16="http://schemas.microsoft.com/office/drawing/2014/main" id="{73E1433B-D363-9C92-41C0-81E50DA2384C}"/>
-                </a:ext>
-              </a:extLst>
-            </p:cNvPr>
-            <p:cNvCxnSpPr>
-              <a:cxnSpLocks/>
-            </p:cNvCxnSpPr>
-            <p:nvPr/>
-          </p:nvCxnSpPr>
-          <p:spPr>
-            <a:xfrm flipH="1">
-              <a:off x="8190332" y="4312779"/>
-              <a:ext cx="3676073" cy="0"/>
-            </a:xfrm>
-            <a:prstGeom prst="line">
-              <a:avLst/>
-            </a:prstGeom>
-            <a:ln w="22225"/>
-          </p:spPr>
-          <p:style>
-            <a:lnRef idx="1">
-              <a:schemeClr val="dk1"/>
-            </a:lnRef>
-            <a:fillRef idx="0">
-              <a:schemeClr val="dk1"/>
-            </a:fillRef>
-            <a:effectRef idx="0">
-              <a:schemeClr val="dk1"/>
-            </a:effectRef>
-            <a:fontRef idx="minor">
-              <a:schemeClr val="tx1"/>
-            </a:fontRef>
-          </p:style>
-        </p:cxnSp>
-        <p:cxnSp>
-          <p:nvCxnSpPr>
-            <p:cNvPr id="92" name="Straight Connector 91">
-              <a:extLst>
-                <a:ext uri="{FF2B5EF4-FFF2-40B4-BE49-F238E27FC236}">
-                  <a16:creationId xmlns:a16="http://schemas.microsoft.com/office/drawing/2014/main" id="{22F520F6-9FE0-2DD1-2911-FB18C33D7DC6}"/>
-                </a:ext>
-              </a:extLst>
-            </p:cNvPr>
-            <p:cNvCxnSpPr>
-              <a:cxnSpLocks/>
-            </p:cNvCxnSpPr>
-            <p:nvPr/>
-          </p:nvCxnSpPr>
-          <p:spPr>
-            <a:xfrm flipH="1">
-              <a:off x="9000431" y="1994712"/>
-              <a:ext cx="810099" cy="2318067"/>
-            </a:xfrm>
-            <a:prstGeom prst="line">
-              <a:avLst/>
-            </a:prstGeom>
-            <a:ln w="22225"/>
-          </p:spPr>
-          <p:style>
-            <a:lnRef idx="1">
-              <a:schemeClr val="dk1"/>
-            </a:lnRef>
-            <a:fillRef idx="0">
-              <a:schemeClr val="dk1"/>
-            </a:fillRef>
-            <a:effectRef idx="0">
-              <a:schemeClr val="dk1"/>
-            </a:effectRef>
-            <a:fontRef idx="minor">
-              <a:schemeClr val="tx1"/>
-            </a:fontRef>
-          </p:style>
-        </p:cxnSp>
-        <p:cxnSp>
-          <p:nvCxnSpPr>
-            <p:cNvPr id="93" name="Straight Connector 92">
-              <a:extLst>
-                <a:ext uri="{FF2B5EF4-FFF2-40B4-BE49-F238E27FC236}">
-                  <a16:creationId xmlns:a16="http://schemas.microsoft.com/office/drawing/2014/main" id="{3B4EDFFA-AAB7-0A53-4ADE-49BB3A499CC6}"/>
-                </a:ext>
-              </a:extLst>
-            </p:cNvPr>
-            <p:cNvCxnSpPr>
-              <a:cxnSpLocks/>
-            </p:cNvCxnSpPr>
-            <p:nvPr/>
-          </p:nvCxnSpPr>
-          <p:spPr>
-            <a:xfrm>
-              <a:off x="9810530" y="1994711"/>
-              <a:ext cx="0" cy="2318068"/>
-            </a:xfrm>
-            <a:prstGeom prst="line">
-              <a:avLst/>
-            </a:prstGeom>
-            <a:ln w="22225"/>
-          </p:spPr>
-          <p:style>
-            <a:lnRef idx="1">
-              <a:schemeClr val="dk1"/>
-            </a:lnRef>
-            <a:fillRef idx="0">
-              <a:schemeClr val="dk1"/>
-            </a:fillRef>
-            <a:effectRef idx="0">
-              <a:schemeClr val="dk1"/>
-            </a:effectRef>
-            <a:fontRef idx="minor">
-              <a:schemeClr val="tx1"/>
-            </a:fontRef>
-          </p:style>
-        </p:cxnSp>
-        <p:cxnSp>
-          <p:nvCxnSpPr>
-            <p:cNvPr id="94" name="Straight Connector 93">
-              <a:extLst>
-                <a:ext uri="{FF2B5EF4-FFF2-40B4-BE49-F238E27FC236}">
-                  <a16:creationId xmlns:a16="http://schemas.microsoft.com/office/drawing/2014/main" id="{8F44B54A-7337-8915-5B39-533FD53E052A}"/>
-                </a:ext>
-              </a:extLst>
-            </p:cNvPr>
-            <p:cNvCxnSpPr>
-              <a:cxnSpLocks/>
-            </p:cNvCxnSpPr>
-            <p:nvPr/>
-          </p:nvCxnSpPr>
-          <p:spPr>
-            <a:xfrm>
-              <a:off x="9810530" y="1994711"/>
-              <a:ext cx="845911" cy="2318068"/>
-            </a:xfrm>
-            <a:prstGeom prst="line">
-              <a:avLst/>
-            </a:prstGeom>
-            <a:ln w="22225"/>
-          </p:spPr>
-          <p:style>
-            <a:lnRef idx="1">
-              <a:schemeClr val="dk1"/>
-            </a:lnRef>
-            <a:fillRef idx="0">
-              <a:schemeClr val="dk1"/>
-            </a:fillRef>
-            <a:effectRef idx="0">
-              <a:schemeClr val="dk1"/>
-            </a:effectRef>
-            <a:fontRef idx="minor">
-              <a:schemeClr val="tx1"/>
-            </a:fontRef>
-          </p:style>
-        </p:cxnSp>
-      </p:grpSp>
-      <p:sp>
-        <p:nvSpPr>
-          <p:cNvPr id="3" name="TextBox 2">
-            <a:extLst>
-              <a:ext uri="{FF2B5EF4-FFF2-40B4-BE49-F238E27FC236}">
-                <a16:creationId xmlns:a16="http://schemas.microsoft.com/office/drawing/2014/main" id="{4A5FADEC-2912-19DF-AC1F-D329CECE633E}"/>
-              </a:ext>
-            </a:extLst>
-          </p:cNvPr>
-          <p:cNvSpPr txBox="1"/>
-          <p:nvPr/>
-        </p:nvSpPr>
-        <p:spPr>
-          <a:xfrm>
-            <a:off x="4572000" y="2828593"/>
-            <a:ext cx="1205779" cy="369332"/>
-          </a:xfrm>
-          <a:prstGeom prst="rect">
-            <a:avLst/>
-          </a:prstGeom>
-          <a:noFill/>
-        </p:spPr>
-        <p:txBody>
-          <a:bodyPr wrap="none" rtlCol="0">
-            <a:spAutoFit/>
-          </a:bodyPr>
-          <a:lstStyle/>
-          <a:p>
-            <a:r>
-              <a:rPr lang="en-US" dirty="0"/>
-              <a:t>10 triangles</a:t>
-            </a:r>
-          </a:p>
-        </p:txBody>
-      </p:sp>
-      <p:sp>
-        <p:nvSpPr>
-          <p:cNvPr id="4" name="Arrow: Right 3">
-            <a:extLst>
-              <a:ext uri="{FF2B5EF4-FFF2-40B4-BE49-F238E27FC236}">
-                <a16:creationId xmlns:a16="http://schemas.microsoft.com/office/drawing/2014/main" id="{0DB0DBE9-79D1-6E2F-6A9D-426EC2AE99FD}"/>
-              </a:ext>
-            </a:extLst>
-          </p:cNvPr>
-          <p:cNvSpPr/>
-          <p:nvPr/>
-        </p:nvSpPr>
-        <p:spPr>
-          <a:xfrm>
-            <a:off x="3485640" y="4058101"/>
-            <a:ext cx="535709" cy="378693"/>
-          </a:xfrm>
-          <a:prstGeom prst="rightArrow">
-            <a:avLst/>
-          </a:prstGeom>
-        </p:spPr>
-        <p:style>
-          <a:lnRef idx="2">
-            <a:schemeClr val="accent1">
-              <a:shade val="50000"/>
-            </a:schemeClr>
-          </a:lnRef>
-          <a:fillRef idx="1">
-            <a:schemeClr val="accent1"/>
-          </a:fillRef>
-          <a:effectRef idx="0">
-            <a:schemeClr val="accent1"/>
-          </a:effectRef>
-          <a:fontRef idx="minor">
-            <a:schemeClr val="lt1"/>
-          </a:fontRef>
-        </p:style>
-        <p:txBody>
-          <a:bodyPr rtlCol="0" anchor="ctr"/>
-          <a:lstStyle/>
-          <a:p>
-            <a:pPr algn="ctr"/>
-            <a:endParaRPr lang="en-US"/>
-          </a:p>
-        </p:txBody>
-      </p:sp>
-      <p:sp>
-        <p:nvSpPr>
-          <p:cNvPr id="15" name="TextBox 14">
-            <a:extLst>
-              <a:ext uri="{FF2B5EF4-FFF2-40B4-BE49-F238E27FC236}">
-                <a16:creationId xmlns:a16="http://schemas.microsoft.com/office/drawing/2014/main" id="{23468D9B-DFD8-4B91-BC34-84D6435E8914}"/>
-              </a:ext>
-            </a:extLst>
-          </p:cNvPr>
-          <p:cNvSpPr txBox="1"/>
-          <p:nvPr/>
-        </p:nvSpPr>
-        <p:spPr>
-          <a:xfrm>
-            <a:off x="4531329" y="4058101"/>
-            <a:ext cx="2086212" cy="369332"/>
-          </a:xfrm>
-          <a:prstGeom prst="rect">
-            <a:avLst/>
-          </a:prstGeom>
-          <a:noFill/>
-        </p:spPr>
-        <p:txBody>
-          <a:bodyPr wrap="none" rtlCol="0">
-            <a:spAutoFit/>
-          </a:bodyPr>
-          <a:lstStyle/>
-          <a:p>
-            <a:r>
-              <a:rPr lang="en-US" dirty="0"/>
-              <a:t>Likewise, 10 triangles</a:t>
-            </a:r>
-          </a:p>
-        </p:txBody>
-      </p:sp>
-      <p:sp>
-        <p:nvSpPr>
-          <p:cNvPr id="20" name="Arrow: Right 19">
-            <a:extLst>
-              <a:ext uri="{FF2B5EF4-FFF2-40B4-BE49-F238E27FC236}">
-                <a16:creationId xmlns:a16="http://schemas.microsoft.com/office/drawing/2014/main" id="{DCED4183-5FC1-7DE3-293C-C80A9D3F03DA}"/>
-              </a:ext>
-            </a:extLst>
-          </p:cNvPr>
-          <p:cNvSpPr/>
-          <p:nvPr/>
-        </p:nvSpPr>
-        <p:spPr>
-          <a:xfrm>
-            <a:off x="3485639" y="5204446"/>
-            <a:ext cx="535709" cy="378693"/>
-          </a:xfrm>
-          <a:prstGeom prst="rightArrow">
-            <a:avLst/>
-          </a:prstGeom>
-        </p:spPr>
-        <p:style>
-          <a:lnRef idx="2">
-            <a:schemeClr val="accent1">
-              <a:shade val="50000"/>
-            </a:schemeClr>
-          </a:lnRef>
-          <a:fillRef idx="1">
-            <a:schemeClr val="accent1"/>
-          </a:fillRef>
-          <a:effectRef idx="0">
-            <a:schemeClr val="accent1"/>
-          </a:effectRef>
-          <a:fontRef idx="minor">
-            <a:schemeClr val="lt1"/>
-          </a:fontRef>
-        </p:style>
-        <p:txBody>
-          <a:bodyPr rtlCol="0" anchor="ctr"/>
-          <a:lstStyle/>
-          <a:p>
-            <a:pPr algn="ctr"/>
-            <a:endParaRPr lang="en-US"/>
-          </a:p>
-        </p:txBody>
-      </p:sp>
-      <p:sp>
-        <p:nvSpPr>
-          <p:cNvPr id="21" name="TextBox 20">
-            <a:extLst>
-              <a:ext uri="{FF2B5EF4-FFF2-40B4-BE49-F238E27FC236}">
-                <a16:creationId xmlns:a16="http://schemas.microsoft.com/office/drawing/2014/main" id="{1126DF03-4439-5E46-34E9-7935F0A34059}"/>
-              </a:ext>
-            </a:extLst>
-          </p:cNvPr>
-          <p:cNvSpPr txBox="1"/>
-          <p:nvPr/>
-        </p:nvSpPr>
-        <p:spPr>
-          <a:xfrm>
-            <a:off x="4527603" y="5158669"/>
-            <a:ext cx="1096775" cy="369332"/>
-          </a:xfrm>
-          <a:prstGeom prst="rect">
-            <a:avLst/>
-          </a:prstGeom>
-          <a:noFill/>
-        </p:spPr>
-        <p:txBody>
-          <a:bodyPr wrap="none" rtlCol="0">
-            <a:spAutoFit/>
-          </a:bodyPr>
-          <a:lstStyle/>
-          <a:p>
-            <a:r>
-              <a:rPr lang="en-US" dirty="0"/>
-              <a:t>4 triangles</a:t>
-            </a:r>
-          </a:p>
-        </p:txBody>
-      </p:sp>
-    </p:spTree>
-    <p:extLst>
-      <p:ext uri="{BB962C8B-B14F-4D97-AF65-F5344CB8AC3E}">
-        <p14:creationId xmlns:p14="http://schemas.microsoft.com/office/powerpoint/2010/main" val="3632849556"/>
-      </p:ext>
-    </p:extLst>
-  </p:cSld>
-  <p:clrMapOvr>
-    <a:masterClrMapping/>
-  </p:clrMapOvr>
-</p:sld>
-</file>
-
-<file path=ppt/slides/slide6.xml><?xml version="1.0" encoding="utf-8"?>
-<p:sld xmlns:a="http://schemas.openxmlformats.org/drawingml/2006/main" xmlns:r="http://schemas.openxmlformats.org/officeDocument/2006/relationships" xmlns:p="http://schemas.openxmlformats.org/presentationml/2006/main">
-  <p:cSld>
-    <p:spTree>
-      <p:nvGrpSpPr>
-        <p:cNvPr id="1" name=""/>
-        <p:cNvGrpSpPr/>
-        <p:nvPr/>
-      </p:nvGrpSpPr>
-      <p:grpSpPr>
-        <a:xfrm>
-          <a:off x="0" y="0"/>
-          <a:ext cx="0" cy="0"/>
-          <a:chOff x="0" y="0"/>
-          <a:chExt cx="0" cy="0"/>
-        </a:xfrm>
-      </p:grpSpPr>
-      <p:sp>
-        <p:nvSpPr>
-          <p:cNvPr id="2" name="Title 1">
-            <a:extLst>
-              <a:ext uri="{FF2B5EF4-FFF2-40B4-BE49-F238E27FC236}">
-                <a16:creationId xmlns:a16="http://schemas.microsoft.com/office/drawing/2014/main" id="{85FA0EE0-8514-4C69-2434-63F53B5AE139}"/>
-              </a:ext>
-            </a:extLst>
-          </p:cNvPr>
-          <p:cNvSpPr>
-            <a:spLocks noGrp="1"/>
-          </p:cNvSpPr>
-          <p:nvPr>
-            <p:ph type="title"/>
-          </p:nvPr>
-        </p:nvSpPr>
-        <p:spPr/>
-        <p:txBody>
-          <a:bodyPr>
-            <a:normAutofit/>
-          </a:bodyPr>
-          <a:lstStyle/>
-          <a:p>
-            <a:r>
-              <a:rPr lang="en-US" dirty="0"/>
-              <a:t>Step 3: Final tally</a:t>
-            </a:r>
-          </a:p>
-        </p:txBody>
-      </p:sp>
-      <p:sp>
-        <p:nvSpPr>
-          <p:cNvPr id="3" name="TextBox 2">
-            <a:extLst>
-              <a:ext uri="{FF2B5EF4-FFF2-40B4-BE49-F238E27FC236}">
-                <a16:creationId xmlns:a16="http://schemas.microsoft.com/office/drawing/2014/main" id="{4A5FADEC-2912-19DF-AC1F-D329CECE633E}"/>
-              </a:ext>
-            </a:extLst>
-          </p:cNvPr>
-          <p:cNvSpPr txBox="1"/>
-          <p:nvPr/>
-        </p:nvSpPr>
-        <p:spPr>
-          <a:xfrm>
-            <a:off x="4710546" y="2837829"/>
-            <a:ext cx="2558714" cy="369332"/>
-          </a:xfrm>
-          <a:prstGeom prst="rect">
-            <a:avLst/>
-          </a:prstGeom>
-          <a:noFill/>
-        </p:spPr>
-        <p:txBody>
-          <a:bodyPr wrap="none" rtlCol="0">
-            <a:spAutoFit/>
-          </a:bodyPr>
-          <a:lstStyle/>
-          <a:p>
-            <a:r>
-              <a:rPr lang="en-US" dirty="0"/>
-              <a:t>10 + 10 + 4 = 24 triangles</a:t>
-            </a:r>
-          </a:p>
-        </p:txBody>
-      </p:sp>
-    </p:spTree>
-    <p:extLst>
-      <p:ext uri="{BB962C8B-B14F-4D97-AF65-F5344CB8AC3E}">
-        <p14:creationId xmlns:p14="http://schemas.microsoft.com/office/powerpoint/2010/main" val="1469958490"/>
-      </p:ext>
-    </p:extLst>
-  </p:cSld>
-  <p:clrMapOvr>
-    <a:masterClrMapping/>
-  </p:clrMapOvr>
-</p:sld>
-</file>
-
-<file path=ppt/slides/slide7.xml><?xml version="1.0" encoding="utf-8"?>
-<p:sld xmlns:a="http://schemas.openxmlformats.org/drawingml/2006/main" xmlns:r="http://schemas.openxmlformats.org/officeDocument/2006/relationships" xmlns:p="http://schemas.openxmlformats.org/presentationml/2006/main">
-  <p:cSld>
-    <p:spTree>
-      <p:nvGrpSpPr>
-        <p:cNvPr id="1" name=""/>
-        <p:cNvGrpSpPr/>
-        <p:nvPr/>
-      </p:nvGrpSpPr>
-      <p:grpSpPr>
-        <a:xfrm>
-          <a:off x="0" y="0"/>
-          <a:ext cx="0" cy="0"/>
-          <a:chOff x="0" y="0"/>
-          <a:chExt cx="0" cy="0"/>
-        </a:xfrm>
-      </p:grpSpPr>
-      <p:sp>
-        <p:nvSpPr>
-          <p:cNvPr id="2" name="Title 1">
-            <a:extLst>
-              <a:ext uri="{FF2B5EF4-FFF2-40B4-BE49-F238E27FC236}">
-                <a16:creationId xmlns:a16="http://schemas.microsoft.com/office/drawing/2014/main" id="{A2DD6805-D455-F977-7E80-16B0F9CF1094}"/>
-              </a:ext>
-            </a:extLst>
-          </p:cNvPr>
-          <p:cNvSpPr>
-            <a:spLocks noGrp="1"/>
-          </p:cNvSpPr>
-          <p:nvPr>
-            <p:ph type="title"/>
-          </p:nvPr>
-        </p:nvSpPr>
-        <p:spPr/>
-        <p:txBody>
-          <a:bodyPr/>
-          <a:lstStyle/>
-          <a:p>
-            <a:r>
-              <a:rPr lang="en-US" dirty="0"/>
-              <a:t>Notes</a:t>
-            </a:r>
-          </a:p>
-        </p:txBody>
-      </p:sp>
-      <p:sp>
-        <p:nvSpPr>
-          <p:cNvPr id="3" name="Content Placeholder 2">
-            <a:extLst>
-              <a:ext uri="{FF2B5EF4-FFF2-40B4-BE49-F238E27FC236}">
-                <a16:creationId xmlns:a16="http://schemas.microsoft.com/office/drawing/2014/main" id="{D5916D34-06A7-18B6-0AA8-E564FB4EA5A6}"/>
-              </a:ext>
-            </a:extLst>
-          </p:cNvPr>
-          <p:cNvSpPr>
-            <a:spLocks noGrp="1"/>
-          </p:cNvSpPr>
-          <p:nvPr>
-            <p:ph idx="1"/>
-          </p:nvPr>
-        </p:nvSpPr>
-        <p:spPr/>
-        <p:txBody>
-          <a:bodyPr>
-            <a:normAutofit fontScale="92500" lnSpcReduction="20000"/>
-          </a:bodyPr>
-          <a:lstStyle/>
-          <a:p>
-            <a:r>
-              <a:rPr lang="en-US" dirty="0"/>
-              <a:t>This problem is all about decomposition.  Being able to decompose a complex problem into smaller subcomponents is a very important skill that requires a lifetime to master.</a:t>
-            </a:r>
-          </a:p>
-          <a:p>
-            <a:r>
-              <a:rPr lang="en-US" dirty="0"/>
-              <a:t>This is a much harder version of an earlier problem.</a:t>
-            </a:r>
-          </a:p>
-          <a:p>
-            <a:r>
-              <a:rPr lang="en-US" dirty="0"/>
-              <a:t>The hardest part of this problem is the initial step of decomposition.  Kids are likely not being able to solve it without some help.</a:t>
-            </a:r>
-          </a:p>
-          <a:p>
-            <a:pPr lvl="1"/>
-            <a:r>
-              <a:rPr lang="en-US" dirty="0"/>
-              <a:t>Kids probably realize that they need to organize the triangles they counted somehow, but it can be difficult for them to explicitly knowing how to do so.</a:t>
-            </a:r>
-          </a:p>
-          <a:p>
-            <a:pPr lvl="1"/>
-            <a:r>
-              <a:rPr lang="en-US" dirty="0"/>
-              <a:t>Thus, it is very important to understand how and why kids could not decompose the problem and </a:t>
-            </a:r>
-            <a:r>
-              <a:rPr lang="en-US"/>
-              <a:t>provide guidance</a:t>
-            </a:r>
-            <a:r>
-              <a:rPr lang="en-US" dirty="0"/>
-              <a:t>.</a:t>
-            </a:r>
-          </a:p>
-        </p:txBody>
-      </p:sp>
-    </p:spTree>
-    <p:extLst>
-      <p:ext uri="{BB962C8B-B14F-4D97-AF65-F5344CB8AC3E}">
-        <p14:creationId xmlns:p14="http://schemas.microsoft.com/office/powerpoint/2010/main" val="1864095402"/>
+        <p14:creationId xmlns:p14="http://schemas.microsoft.com/office/powerpoint/2010/main" val="3700459303"/>
       </p:ext>
     </p:extLst>
   </p:cSld>
